--- a/doc/Klinowski Cisowski - Report.pptx
+++ b/doc/Klinowski Cisowski - Report.pptx
@@ -5,7 +5,7 @@
     <p:sldMasterId id="2147483660" r:id="rId1"/>
   </p:sldMasterIdLst>
   <p:notesMasterIdLst>
-    <p:notesMasterId r:id="rId42"/>
+    <p:notesMasterId r:id="rId40"/>
   </p:notesMasterIdLst>
   <p:sldIdLst>
     <p:sldId id="256" r:id="rId2"/>
@@ -32,22 +32,20 @@
     <p:sldId id="279" r:id="rId23"/>
     <p:sldId id="280" r:id="rId24"/>
     <p:sldId id="294" r:id="rId25"/>
-    <p:sldId id="295" r:id="rId26"/>
-    <p:sldId id="296" r:id="rId27"/>
-    <p:sldId id="297" r:id="rId28"/>
-    <p:sldId id="298" r:id="rId29"/>
-    <p:sldId id="283" r:id="rId30"/>
-    <p:sldId id="284" r:id="rId31"/>
-    <p:sldId id="282" r:id="rId32"/>
-    <p:sldId id="285" r:id="rId33"/>
-    <p:sldId id="286" r:id="rId34"/>
-    <p:sldId id="287" r:id="rId35"/>
-    <p:sldId id="290" r:id="rId36"/>
-    <p:sldId id="288" r:id="rId37"/>
-    <p:sldId id="293" r:id="rId38"/>
-    <p:sldId id="289" r:id="rId39"/>
-    <p:sldId id="291" r:id="rId40"/>
-    <p:sldId id="266" r:id="rId41"/>
+    <p:sldId id="299" r:id="rId26"/>
+    <p:sldId id="295" r:id="rId27"/>
+    <p:sldId id="283" r:id="rId28"/>
+    <p:sldId id="284" r:id="rId29"/>
+    <p:sldId id="282" r:id="rId30"/>
+    <p:sldId id="285" r:id="rId31"/>
+    <p:sldId id="286" r:id="rId32"/>
+    <p:sldId id="287" r:id="rId33"/>
+    <p:sldId id="290" r:id="rId34"/>
+    <p:sldId id="288" r:id="rId35"/>
+    <p:sldId id="293" r:id="rId36"/>
+    <p:sldId id="289" r:id="rId37"/>
+    <p:sldId id="291" r:id="rId38"/>
+    <p:sldId id="266" r:id="rId39"/>
   </p:sldIdLst>
   <p:sldSz cx="12192000" cy="6858000"/>
   <p:notesSz cx="6858000" cy="9144000"/>
@@ -236,7 +234,7 @@
           <a:p>
             <a:fld id="{CEA3760B-F3D0-4FA4-8FF6-D507F6AB9DCC}" type="datetimeFigureOut">
               <a:rPr lang="pl-PL" smtClean="0"/>
-              <a:t>14.06.2022</a:t>
+              <a:t>17.06.2022</a:t>
             </a:fld>
             <a:endParaRPr lang="pl-PL"/>
           </a:p>
@@ -588,174 +586,6 @@
 </p:notes>
 </file>
 
-<file path=ppt/notesSlides/notesSlide10.xml><?xml version="1.0" encoding="utf-8"?>
-<p:notes xmlns:a="http://schemas.openxmlformats.org/drawingml/2006/main" xmlns:r="http://schemas.openxmlformats.org/officeDocument/2006/relationships" xmlns:p="http://schemas.openxmlformats.org/presentationml/2006/main">
-  <p:cSld>
-    <p:spTree>
-      <p:nvGrpSpPr>
-        <p:cNvPr id="1" name=""/>
-        <p:cNvGrpSpPr/>
-        <p:nvPr/>
-      </p:nvGrpSpPr>
-      <p:grpSpPr>
-        <a:xfrm>
-          <a:off x="0" y="0"/>
-          <a:ext cx="0" cy="0"/>
-          <a:chOff x="0" y="0"/>
-          <a:chExt cx="0" cy="0"/>
-        </a:xfrm>
-      </p:grpSpPr>
-      <p:sp>
-        <p:nvSpPr>
-          <p:cNvPr id="2" name="Symbol zastępczy obrazu slajdu 1"/>
-          <p:cNvSpPr>
-            <a:spLocks noGrp="1" noRot="1" noChangeAspect="1"/>
-          </p:cNvSpPr>
-          <p:nvPr>
-            <p:ph type="sldImg"/>
-          </p:nvPr>
-        </p:nvSpPr>
-        <p:spPr/>
-      </p:sp>
-      <p:sp>
-        <p:nvSpPr>
-          <p:cNvPr id="3" name="Symbol zastępczy notatek 2"/>
-          <p:cNvSpPr>
-            <a:spLocks noGrp="1"/>
-          </p:cNvSpPr>
-          <p:nvPr>
-            <p:ph type="body" idx="1"/>
-          </p:nvPr>
-        </p:nvSpPr>
-        <p:spPr/>
-        <p:txBody>
-          <a:bodyPr/>
-          <a:lstStyle/>
-          <a:p>
-            <a:endParaRPr lang="pl-PL" dirty="0"/>
-          </a:p>
-        </p:txBody>
-      </p:sp>
-      <p:sp>
-        <p:nvSpPr>
-          <p:cNvPr id="4" name="Symbol zastępczy numeru slajdu 3"/>
-          <p:cNvSpPr>
-            <a:spLocks noGrp="1"/>
-          </p:cNvSpPr>
-          <p:nvPr>
-            <p:ph type="sldNum" sz="quarter" idx="10"/>
-          </p:nvPr>
-        </p:nvSpPr>
-        <p:spPr/>
-        <p:txBody>
-          <a:bodyPr/>
-          <a:lstStyle/>
-          <a:p>
-            <a:fld id="{FA7E950B-3435-4939-B251-CEC3B4E471E0}" type="slidenum">
-              <a:rPr lang="pl-PL" smtClean="0"/>
-              <a:t>34</a:t>
-            </a:fld>
-            <a:endParaRPr lang="pl-PL"/>
-          </a:p>
-        </p:txBody>
-      </p:sp>
-    </p:spTree>
-    <p:extLst>
-      <p:ext uri="{BB962C8B-B14F-4D97-AF65-F5344CB8AC3E}">
-        <p14:creationId xmlns:p14="http://schemas.microsoft.com/office/powerpoint/2010/main" val="3711407739"/>
-      </p:ext>
-    </p:extLst>
-  </p:cSld>
-  <p:clrMapOvr>
-    <a:masterClrMapping/>
-  </p:clrMapOvr>
-</p:notes>
-</file>
-
-<file path=ppt/notesSlides/notesSlide11.xml><?xml version="1.0" encoding="utf-8"?>
-<p:notes xmlns:a="http://schemas.openxmlformats.org/drawingml/2006/main" xmlns:r="http://schemas.openxmlformats.org/officeDocument/2006/relationships" xmlns:p="http://schemas.openxmlformats.org/presentationml/2006/main">
-  <p:cSld>
-    <p:spTree>
-      <p:nvGrpSpPr>
-        <p:cNvPr id="1" name=""/>
-        <p:cNvGrpSpPr/>
-        <p:nvPr/>
-      </p:nvGrpSpPr>
-      <p:grpSpPr>
-        <a:xfrm>
-          <a:off x="0" y="0"/>
-          <a:ext cx="0" cy="0"/>
-          <a:chOff x="0" y="0"/>
-          <a:chExt cx="0" cy="0"/>
-        </a:xfrm>
-      </p:grpSpPr>
-      <p:sp>
-        <p:nvSpPr>
-          <p:cNvPr id="2" name="Symbol zastępczy obrazu slajdu 1"/>
-          <p:cNvSpPr>
-            <a:spLocks noGrp="1" noRot="1" noChangeAspect="1"/>
-          </p:cNvSpPr>
-          <p:nvPr>
-            <p:ph type="sldImg"/>
-          </p:nvPr>
-        </p:nvSpPr>
-        <p:spPr/>
-      </p:sp>
-      <p:sp>
-        <p:nvSpPr>
-          <p:cNvPr id="3" name="Symbol zastępczy notatek 2"/>
-          <p:cNvSpPr>
-            <a:spLocks noGrp="1"/>
-          </p:cNvSpPr>
-          <p:nvPr>
-            <p:ph type="body" idx="1"/>
-          </p:nvPr>
-        </p:nvSpPr>
-        <p:spPr/>
-        <p:txBody>
-          <a:bodyPr/>
-          <a:lstStyle/>
-          <a:p>
-            <a:endParaRPr lang="pl-PL" dirty="0"/>
-          </a:p>
-        </p:txBody>
-      </p:sp>
-      <p:sp>
-        <p:nvSpPr>
-          <p:cNvPr id="4" name="Symbol zastępczy numeru slajdu 3"/>
-          <p:cNvSpPr>
-            <a:spLocks noGrp="1"/>
-          </p:cNvSpPr>
-          <p:nvPr>
-            <p:ph type="sldNum" sz="quarter" idx="10"/>
-          </p:nvPr>
-        </p:nvSpPr>
-        <p:spPr/>
-        <p:txBody>
-          <a:bodyPr/>
-          <a:lstStyle/>
-          <a:p>
-            <a:fld id="{FA7E950B-3435-4939-B251-CEC3B4E471E0}" type="slidenum">
-              <a:rPr lang="pl-PL" smtClean="0"/>
-              <a:t>36</a:t>
-            </a:fld>
-            <a:endParaRPr lang="pl-PL"/>
-          </a:p>
-        </p:txBody>
-      </p:sp>
-    </p:spTree>
-    <p:extLst>
-      <p:ext uri="{BB962C8B-B14F-4D97-AF65-F5344CB8AC3E}">
-        <p14:creationId xmlns:p14="http://schemas.microsoft.com/office/powerpoint/2010/main" val="3195431026"/>
-      </p:ext>
-    </p:extLst>
-  </p:cSld>
-  <p:clrMapOvr>
-    <a:masterClrMapping/>
-  </p:clrMapOvr>
-</p:notes>
-</file>
-
 <file path=ppt/notesSlides/notesSlide2.xml><?xml version="1.0" encoding="utf-8"?>
 <p:notes xmlns:a="http://schemas.openxmlformats.org/drawingml/2006/main" xmlns:r="http://schemas.openxmlformats.org/officeDocument/2006/relationships" xmlns:p="http://schemas.openxmlformats.org/presentationml/2006/main">
   <p:cSld>
@@ -1073,7 +903,7 @@
           <a:p>
             <a:fld id="{FA7E950B-3435-4939-B251-CEC3B4E471E0}" type="slidenum">
               <a:rPr lang="pl-PL" smtClean="0"/>
-              <a:t>25</a:t>
+              <a:t>26</a:t>
             </a:fld>
             <a:endParaRPr lang="pl-PL"/>
           </a:p>
@@ -1136,6 +966,14 @@
           <a:bodyPr/>
           <a:lstStyle/>
           <a:p>
+            <a:r>
+              <a:rPr lang="pl-PL" dirty="0" smtClean="0"/>
+              <a:t>TODO: powiedzieć że 0.4 żeby dało dobre rezultaty wymagałoby znacznie zwiększonych</a:t>
+            </a:r>
+            <a:r>
+              <a:rPr lang="pl-PL" baseline="0" dirty="0" smtClean="0"/>
+              <a:t> innych parametrów modelu, a na to nie mieliśmy sprzętu</a:t>
+            </a:r>
             <a:endParaRPr lang="pl-PL" dirty="0"/>
           </a:p>
         </p:txBody>
@@ -1157,7 +995,7 @@
           <a:p>
             <a:fld id="{FA7E950B-3435-4939-B251-CEC3B4E471E0}" type="slidenum">
               <a:rPr lang="pl-PL" smtClean="0"/>
-              <a:t>26</a:t>
+              <a:t>28</a:t>
             </a:fld>
             <a:endParaRPr lang="pl-PL"/>
           </a:p>
@@ -1166,7 +1004,7 @@
     </p:spTree>
     <p:extLst>
       <p:ext uri="{BB962C8B-B14F-4D97-AF65-F5344CB8AC3E}">
-        <p14:creationId xmlns:p14="http://schemas.microsoft.com/office/powerpoint/2010/main" val="3181313468"/>
+        <p14:creationId xmlns:p14="http://schemas.microsoft.com/office/powerpoint/2010/main" val="1934689281"/>
       </p:ext>
     </p:extLst>
   </p:cSld>
@@ -1220,6 +1058,54 @@
           <a:bodyPr/>
           <a:lstStyle/>
           <a:p>
+            <a:r>
+              <a:rPr lang="pl-PL" dirty="0" smtClean="0"/>
+              <a:t>TODO:</a:t>
+            </a:r>
+            <a:r>
+              <a:rPr lang="pl-PL" baseline="0" dirty="0" smtClean="0"/>
+              <a:t> powiedzieć czemu nie daliśmy </a:t>
+            </a:r>
+            <a:r>
+              <a:rPr lang="pl-PL" baseline="0" dirty="0" err="1" smtClean="0"/>
+              <a:t>more</a:t>
+            </a:r>
+            <a:r>
+              <a:rPr lang="pl-PL" baseline="0" dirty="0" smtClean="0"/>
+              <a:t> </a:t>
+            </a:r>
+            <a:r>
+              <a:rPr lang="pl-PL" baseline="0" dirty="0" err="1" smtClean="0"/>
+              <a:t>layers</a:t>
+            </a:r>
+            <a:r>
+              <a:rPr lang="pl-PL" baseline="0" dirty="0" smtClean="0"/>
+              <a:t> mimo lepszej </a:t>
+            </a:r>
+            <a:r>
+              <a:rPr lang="pl-PL" baseline="0" dirty="0" err="1" smtClean="0"/>
+              <a:t>accuracy</a:t>
+            </a:r>
+            <a:r>
+              <a:rPr lang="pl-PL" baseline="0" dirty="0" smtClean="0"/>
+              <a:t> (znacznie zwiększony czas treningu, </a:t>
+            </a:r>
+            <a:r>
+              <a:rPr lang="pl-PL" baseline="0" dirty="0" err="1" smtClean="0"/>
+              <a:t>validation</a:t>
+            </a:r>
+            <a:r>
+              <a:rPr lang="pl-PL" baseline="0" dirty="0" smtClean="0"/>
+              <a:t> </a:t>
+            </a:r>
+            <a:r>
+              <a:rPr lang="pl-PL" baseline="0" dirty="0" err="1" smtClean="0"/>
+              <a:t>loss</a:t>
+            </a:r>
+            <a:r>
+              <a:rPr lang="pl-PL" baseline="0" dirty="0" smtClean="0"/>
+              <a:t>)</a:t>
+            </a:r>
             <a:endParaRPr lang="pl-PL" dirty="0"/>
           </a:p>
         </p:txBody>
@@ -1241,7 +1127,7 @@
           <a:p>
             <a:fld id="{FA7E950B-3435-4939-B251-CEC3B4E471E0}" type="slidenum">
               <a:rPr lang="pl-PL" smtClean="0"/>
-              <a:t>27</a:t>
+              <a:t>31</a:t>
             </a:fld>
             <a:endParaRPr lang="pl-PL"/>
           </a:p>
@@ -1250,7 +1136,7 @@
     </p:spTree>
     <p:extLst>
       <p:ext uri="{BB962C8B-B14F-4D97-AF65-F5344CB8AC3E}">
-        <p14:creationId xmlns:p14="http://schemas.microsoft.com/office/powerpoint/2010/main" val="4090512798"/>
+        <p14:creationId xmlns:p14="http://schemas.microsoft.com/office/powerpoint/2010/main" val="3712226407"/>
       </p:ext>
     </p:extLst>
   </p:cSld>
@@ -1304,14 +1190,6 @@
           <a:bodyPr/>
           <a:lstStyle/>
           <a:p>
-            <a:r>
-              <a:rPr lang="pl-PL" dirty="0" smtClean="0"/>
-              <a:t>TODO: powiedzieć że 0.4 żeby dało dobre rezultaty wymagałoby znacznie zwiększonych</a:t>
-            </a:r>
-            <a:r>
-              <a:rPr lang="pl-PL" baseline="0" dirty="0" smtClean="0"/>
-              <a:t> innych parametrów modelu, a na to nie mieliśmy sprzętu</a:t>
-            </a:r>
             <a:endParaRPr lang="pl-PL" dirty="0"/>
           </a:p>
         </p:txBody>
@@ -1333,7 +1211,7 @@
           <a:p>
             <a:fld id="{FA7E950B-3435-4939-B251-CEC3B4E471E0}" type="slidenum">
               <a:rPr lang="pl-PL" smtClean="0"/>
-              <a:t>30</a:t>
+              <a:t>32</a:t>
             </a:fld>
             <a:endParaRPr lang="pl-PL"/>
           </a:p>
@@ -1342,7 +1220,7 @@
     </p:spTree>
     <p:extLst>
       <p:ext uri="{BB962C8B-B14F-4D97-AF65-F5344CB8AC3E}">
-        <p14:creationId xmlns:p14="http://schemas.microsoft.com/office/powerpoint/2010/main" val="1934689281"/>
+        <p14:creationId xmlns:p14="http://schemas.microsoft.com/office/powerpoint/2010/main" val="3711407739"/>
       </p:ext>
     </p:extLst>
   </p:cSld>
@@ -1396,54 +1274,6 @@
           <a:bodyPr/>
           <a:lstStyle/>
           <a:p>
-            <a:r>
-              <a:rPr lang="pl-PL" dirty="0" smtClean="0"/>
-              <a:t>TODO:</a:t>
-            </a:r>
-            <a:r>
-              <a:rPr lang="pl-PL" baseline="0" dirty="0" smtClean="0"/>
-              <a:t> powiedzieć czemu nie daliśmy </a:t>
-            </a:r>
-            <a:r>
-              <a:rPr lang="pl-PL" baseline="0" dirty="0" err="1" smtClean="0"/>
-              <a:t>more</a:t>
-            </a:r>
-            <a:r>
-              <a:rPr lang="pl-PL" baseline="0" dirty="0" smtClean="0"/>
-              <a:t> </a:t>
-            </a:r>
-            <a:r>
-              <a:rPr lang="pl-PL" baseline="0" dirty="0" err="1" smtClean="0"/>
-              <a:t>layers</a:t>
-            </a:r>
-            <a:r>
-              <a:rPr lang="pl-PL" baseline="0" dirty="0" smtClean="0"/>
-              <a:t> mimo lepszej </a:t>
-            </a:r>
-            <a:r>
-              <a:rPr lang="pl-PL" baseline="0" dirty="0" err="1" smtClean="0"/>
-              <a:t>accuracy</a:t>
-            </a:r>
-            <a:r>
-              <a:rPr lang="pl-PL" baseline="0" dirty="0" smtClean="0"/>
-              <a:t> (znacznie zwiększony czas treningu, </a:t>
-            </a:r>
-            <a:r>
-              <a:rPr lang="pl-PL" baseline="0" dirty="0" err="1" smtClean="0"/>
-              <a:t>validation</a:t>
-            </a:r>
-            <a:r>
-              <a:rPr lang="pl-PL" baseline="0" dirty="0" smtClean="0"/>
-              <a:t> </a:t>
-            </a:r>
-            <a:r>
-              <a:rPr lang="pl-PL" baseline="0" dirty="0" err="1" smtClean="0"/>
-              <a:t>loss</a:t>
-            </a:r>
-            <a:r>
-              <a:rPr lang="pl-PL" baseline="0" dirty="0" smtClean="0"/>
-              <a:t>)</a:t>
-            </a:r>
             <a:endParaRPr lang="pl-PL" dirty="0"/>
           </a:p>
         </p:txBody>
@@ -1465,7 +1295,7 @@
           <a:p>
             <a:fld id="{FA7E950B-3435-4939-B251-CEC3B4E471E0}" type="slidenum">
               <a:rPr lang="pl-PL" smtClean="0"/>
-              <a:t>33</a:t>
+              <a:t>34</a:t>
             </a:fld>
             <a:endParaRPr lang="pl-PL"/>
           </a:p>
@@ -1474,7 +1304,7 @@
     </p:spTree>
     <p:extLst>
       <p:ext uri="{BB962C8B-B14F-4D97-AF65-F5344CB8AC3E}">
-        <p14:creationId xmlns:p14="http://schemas.microsoft.com/office/powerpoint/2010/main" val="3712226407"/>
+        <p14:creationId xmlns:p14="http://schemas.microsoft.com/office/powerpoint/2010/main" val="3195431026"/>
       </p:ext>
     </p:extLst>
   </p:cSld>
@@ -1710,7 +1540,7 @@
           <a:p>
             <a:fld id="{D41CA1DB-AE43-4897-B3E9-EE8726261D80}" type="datetimeFigureOut">
               <a:rPr lang="pl-PL" smtClean="0"/>
-              <a:t>14.06.2022</a:t>
+              <a:t>17.06.2022</a:t>
             </a:fld>
             <a:endParaRPr lang="pl-PL"/>
           </a:p>
@@ -1918,7 +1748,7 @@
           <a:p>
             <a:fld id="{D41CA1DB-AE43-4897-B3E9-EE8726261D80}" type="datetimeFigureOut">
               <a:rPr lang="pl-PL" smtClean="0"/>
-              <a:t>14.06.2022</a:t>
+              <a:t>17.06.2022</a:t>
             </a:fld>
             <a:endParaRPr lang="pl-PL"/>
           </a:p>
@@ -2174,7 +2004,7 @@
           <a:p>
             <a:fld id="{D41CA1DB-AE43-4897-B3E9-EE8726261D80}" type="datetimeFigureOut">
               <a:rPr lang="pl-PL" smtClean="0"/>
-              <a:t>14.06.2022</a:t>
+              <a:t>17.06.2022</a:t>
             </a:fld>
             <a:endParaRPr lang="pl-PL"/>
           </a:p>
@@ -2348,7 +2178,7 @@
           <a:p>
             <a:fld id="{D41CA1DB-AE43-4897-B3E9-EE8726261D80}" type="datetimeFigureOut">
               <a:rPr lang="pl-PL" smtClean="0"/>
-              <a:t>14.06.2022</a:t>
+              <a:t>17.06.2022</a:t>
             </a:fld>
             <a:endParaRPr lang="pl-PL"/>
           </a:p>
@@ -2691,7 +2521,7 @@
           <a:p>
             <a:fld id="{D41CA1DB-AE43-4897-B3E9-EE8726261D80}" type="datetimeFigureOut">
               <a:rPr lang="pl-PL" smtClean="0"/>
-              <a:t>14.06.2022</a:t>
+              <a:t>17.06.2022</a:t>
             </a:fld>
             <a:endParaRPr lang="pl-PL"/>
           </a:p>
@@ -2966,7 +2796,7 @@
           <a:p>
             <a:fld id="{D41CA1DB-AE43-4897-B3E9-EE8726261D80}" type="datetimeFigureOut">
               <a:rPr lang="pl-PL" smtClean="0"/>
-              <a:t>14.06.2022</a:t>
+              <a:t>17.06.2022</a:t>
             </a:fld>
             <a:endParaRPr lang="pl-PL"/>
           </a:p>
@@ -3345,7 +3175,7 @@
           <a:p>
             <a:fld id="{D41CA1DB-AE43-4897-B3E9-EE8726261D80}" type="datetimeFigureOut">
               <a:rPr lang="pl-PL" smtClean="0"/>
-              <a:t>14.06.2022</a:t>
+              <a:t>17.06.2022</a:t>
             </a:fld>
             <a:endParaRPr lang="pl-PL"/>
           </a:p>
@@ -3463,7 +3293,7 @@
           <a:p>
             <a:fld id="{D41CA1DB-AE43-4897-B3E9-EE8726261D80}" type="datetimeFigureOut">
               <a:rPr lang="pl-PL" smtClean="0"/>
-              <a:t>14.06.2022</a:t>
+              <a:t>17.06.2022</a:t>
             </a:fld>
             <a:endParaRPr lang="pl-PL"/>
           </a:p>
@@ -3634,7 +3464,7 @@
           <a:p>
             <a:fld id="{D41CA1DB-AE43-4897-B3E9-EE8726261D80}" type="datetimeFigureOut">
               <a:rPr lang="pl-PL" smtClean="0"/>
-              <a:t>14.06.2022</a:t>
+              <a:t>17.06.2022</a:t>
             </a:fld>
             <a:endParaRPr lang="pl-PL"/>
           </a:p>
@@ -3988,7 +3818,7 @@
           <a:p>
             <a:fld id="{D41CA1DB-AE43-4897-B3E9-EE8726261D80}" type="datetimeFigureOut">
               <a:rPr lang="pl-PL" smtClean="0"/>
-              <a:t>14.06.2022</a:t>
+              <a:t>17.06.2022</a:t>
             </a:fld>
             <a:endParaRPr lang="pl-PL"/>
           </a:p>
@@ -4370,7 +4200,7 @@
           <a:p>
             <a:fld id="{D41CA1DB-AE43-4897-B3E9-EE8726261D80}" type="datetimeFigureOut">
               <a:rPr lang="pl-PL" smtClean="0"/>
-              <a:t>14.06.2022</a:t>
+              <a:t>17.06.2022</a:t>
             </a:fld>
             <a:endParaRPr lang="pl-PL"/>
           </a:p>
@@ -4657,7 +4487,7 @@
           <a:p>
             <a:fld id="{D41CA1DB-AE43-4897-B3E9-EE8726261D80}" type="datetimeFigureOut">
               <a:rPr lang="pl-PL" smtClean="0"/>
-              <a:t>14.06.2022</a:t>
+              <a:t>17.06.2022</a:t>
             </a:fld>
             <a:endParaRPr lang="pl-PL"/>
           </a:p>
@@ -5948,7 +5778,7 @@
           <a:graphicData uri="http://schemas.openxmlformats.org/presentationml/2006/ole">
             <mc:AlternateContent xmlns:mc="http://schemas.openxmlformats.org/markup-compatibility/2006">
               <mc:Choice xmlns:v="urn:schemas-microsoft-com:vml" Requires="v">
-                <p:oleObj spid="_x0000_s3204" name="Dokument" r:id="rId3" imgW="4152960" imgH="668520" progId="Word.OpenDocumentText.12">
+                <p:oleObj spid="_x0000_s3205" name="Dokument" r:id="rId3" imgW="4152960" imgH="668520" progId="Word.OpenDocumentText.12">
                   <p:embed/>
                 </p:oleObj>
               </mc:Choice>
@@ -6723,7 +6553,7 @@
           <a:graphicData uri="http://schemas.openxmlformats.org/presentationml/2006/ole">
             <mc:AlternateContent xmlns:mc="http://schemas.openxmlformats.org/markup-compatibility/2006">
               <mc:Choice xmlns:v="urn:schemas-microsoft-com:vml" Requires="v">
-                <p:oleObj spid="_x0000_s4218" name="Dokument" r:id="rId3" imgW="2414880" imgH="709200" progId="Word.OpenDocumentText.12">
+                <p:oleObj spid="_x0000_s4219" name="Dokument" r:id="rId3" imgW="2414880" imgH="709200" progId="Word.OpenDocumentText.12">
                   <p:embed/>
                 </p:oleObj>
               </mc:Choice>
@@ -7397,7 +7227,7 @@
           <a:graphicData uri="http://schemas.openxmlformats.org/presentationml/2006/ole">
             <mc:AlternateContent xmlns:mc="http://schemas.openxmlformats.org/markup-compatibility/2006">
               <mc:Choice xmlns:v="urn:schemas-microsoft-com:vml" Requires="v">
-                <p:oleObj spid="_x0000_s5241" name="Dokument" r:id="rId3" imgW="1956600" imgH="999000" progId="Word.OpenDocumentText.12">
+                <p:oleObj spid="_x0000_s5242" name="Dokument" r:id="rId3" imgW="1956600" imgH="999000" progId="Word.OpenDocumentText.12">
                   <p:embed/>
                 </p:oleObj>
               </mc:Choice>
@@ -8095,7 +7925,7 @@
           <a:graphicData uri="http://schemas.openxmlformats.org/presentationml/2006/ole">
             <mc:AlternateContent xmlns:mc="http://schemas.openxmlformats.org/markup-compatibility/2006">
               <mc:Choice xmlns:v="urn:schemas-microsoft-com:vml" Requires="v">
-                <p:oleObj spid="_x0000_s6252" name="Dokument" r:id="rId4" imgW="7145640" imgH="1979640" progId="Word.OpenDocumentText.12">
+                <p:oleObj spid="_x0000_s6253" name="Dokument" r:id="rId4" imgW="7145640" imgH="1979640" progId="Word.OpenDocumentText.12">
                   <p:embed/>
                 </p:oleObj>
               </mc:Choice>
@@ -9093,7 +8923,7 @@
           <a:graphicData uri="http://schemas.openxmlformats.org/presentationml/2006/ole">
             <mc:AlternateContent xmlns:mc="http://schemas.openxmlformats.org/markup-compatibility/2006">
               <mc:Choice xmlns:v="urn:schemas-microsoft-com:vml" Requires="v">
-                <p:oleObj spid="_x0000_s7271" name="Dokument" r:id="rId3" imgW="4355640" imgH="1960920" progId="Word.OpenDocumentText.12">
+                <p:oleObj spid="_x0000_s7272" name="Dokument" r:id="rId3" imgW="4355640" imgH="1960920" progId="Word.OpenDocumentText.12">
                   <p:embed/>
                 </p:oleObj>
               </mc:Choice>
@@ -9346,7 +9176,7 @@
           <a:graphicData uri="http://schemas.openxmlformats.org/presentationml/2006/ole">
             <mc:AlternateContent xmlns:mc="http://schemas.openxmlformats.org/markup-compatibility/2006">
               <mc:Choice xmlns:v="urn:schemas-microsoft-com:vml" Requires="v">
-                <p:oleObj spid="_x0000_s8290" name="Dokument" r:id="rId3" imgW="6949440" imgH="2997360" progId="Word.OpenDocumentText.12">
+                <p:oleObj spid="_x0000_s8291" name="Dokument" r:id="rId3" imgW="6949440" imgH="2997360" progId="Word.OpenDocumentText.12">
                   <p:embed/>
                 </p:oleObj>
               </mc:Choice>
@@ -9729,7 +9559,6 @@
               <a:rPr lang="pl-PL" dirty="0" smtClean="0"/>
               <a:t> matrix</a:t>
             </a:r>
-            <a:endParaRPr lang="pl-PL" dirty="0" smtClean="0"/>
           </a:p>
           <a:p>
             <a:pPr>
@@ -10354,20 +10183,24 @@
           <a:lstStyle/>
           <a:p>
             <a:r>
-              <a:rPr lang="pl-PL" dirty="0" smtClean="0"/>
-              <a:t>’</a:t>
-            </a:r>
-            <a:r>
-              <a:rPr lang="pl-PL" dirty="0" err="1" smtClean="0"/>
-              <a:t>Rescaling</a:t>
-            </a:r>
-            <a:r>
-              <a:rPr lang="pl-PL" dirty="0" smtClean="0"/>
-              <a:t>’ </a:t>
-            </a:r>
-            <a:r>
-              <a:rPr lang="pl-PL" dirty="0" err="1" smtClean="0"/>
-              <a:t>layer</a:t>
+              <a:rPr lang="pl-PL" dirty="0" err="1" smtClean="0"/>
+              <a:t>Description</a:t>
+            </a:r>
+            <a:r>
+              <a:rPr lang="pl-PL" dirty="0" smtClean="0"/>
+              <a:t> of </a:t>
+            </a:r>
+            <a:r>
+              <a:rPr lang="pl-PL" dirty="0" err="1" smtClean="0"/>
+              <a:t>chosen</a:t>
+            </a:r>
+            <a:r>
+              <a:rPr lang="pl-PL" dirty="0" smtClean="0"/>
+              <a:t> </a:t>
+            </a:r>
+            <a:r>
+              <a:rPr lang="pl-PL" dirty="0" err="1" smtClean="0"/>
+              <a:t>layers</a:t>
             </a:r>
             <a:endParaRPr lang="pl-PL" dirty="0"/>
           </a:p>
@@ -10375,173 +10208,27 @@
       </p:sp>
       <p:sp>
         <p:nvSpPr>
-          <p:cNvPr id="3" name="Symbol zastępczy zawartości 2"/>
+          <p:cNvPr id="3" name="Symbol zastępczy tekstu 2"/>
           <p:cNvSpPr>
             <a:spLocks noGrp="1"/>
           </p:cNvSpPr>
           <p:nvPr>
-            <p:ph idx="1"/>
+            <p:ph type="body" idx="1"/>
           </p:nvPr>
         </p:nvSpPr>
-        <p:spPr>
-          <a:xfrm>
-            <a:off x="1097280" y="1771228"/>
-            <a:ext cx="10058400" cy="4023360"/>
-          </a:xfrm>
-        </p:spPr>
+        <p:spPr/>
         <p:txBody>
           <a:bodyPr/>
           <a:lstStyle/>
           <a:p>
-            <a:pPr>
-              <a:buFont typeface="Wingdings" panose="05000000000000000000" pitchFamily="2" charset="2"/>
-              <a:buChar char="v"/>
-            </a:pPr>
-            <a:r>
-              <a:rPr lang="pl-PL" dirty="0"/>
-              <a:t> </a:t>
-            </a:r>
-            <a:r>
-              <a:rPr lang="pl-PL" dirty="0" err="1" smtClean="0"/>
-              <a:t>It’s</a:t>
-            </a:r>
-            <a:r>
-              <a:rPr lang="pl-PL" dirty="0" smtClean="0"/>
-              <a:t> </a:t>
-            </a:r>
-            <a:r>
-              <a:rPr lang="pl-PL" dirty="0" err="1" smtClean="0"/>
-              <a:t>necessary</a:t>
-            </a:r>
-            <a:r>
-              <a:rPr lang="pl-PL" dirty="0" smtClean="0"/>
-              <a:t> to </a:t>
-            </a:r>
-            <a:r>
-              <a:rPr lang="pl-PL" dirty="0" err="1" smtClean="0"/>
-              <a:t>normalize</a:t>
-            </a:r>
-            <a:r>
-              <a:rPr lang="pl-PL" dirty="0" smtClean="0"/>
-              <a:t> </a:t>
-            </a:r>
-            <a:r>
-              <a:rPr lang="pl-PL" dirty="0" err="1" smtClean="0"/>
-              <a:t>input</a:t>
-            </a:r>
-            <a:r>
-              <a:rPr lang="pl-PL" dirty="0" smtClean="0"/>
-              <a:t> data</a:t>
-            </a:r>
-          </a:p>
-          <a:p>
-            <a:pPr>
-              <a:buFont typeface="Wingdings" panose="05000000000000000000" pitchFamily="2" charset="2"/>
-              <a:buChar char="v"/>
-            </a:pPr>
-            <a:r>
-              <a:rPr lang="pl-PL" dirty="0"/>
-              <a:t> </a:t>
-            </a:r>
-            <a:r>
-              <a:rPr lang="pl-PL" dirty="0" err="1" smtClean="0"/>
-              <a:t>Makes</a:t>
-            </a:r>
-            <a:r>
-              <a:rPr lang="pl-PL" dirty="0" smtClean="0"/>
-              <a:t> </a:t>
-            </a:r>
-            <a:r>
-              <a:rPr lang="pl-PL" dirty="0" err="1" smtClean="0"/>
-              <a:t>all</a:t>
-            </a:r>
-            <a:r>
-              <a:rPr lang="pl-PL" dirty="0" smtClean="0"/>
-              <a:t> </a:t>
-            </a:r>
-            <a:r>
-              <a:rPr lang="pl-PL" dirty="0" err="1" smtClean="0"/>
-              <a:t>layers</a:t>
-            </a:r>
-            <a:r>
-              <a:rPr lang="pl-PL" dirty="0" smtClean="0"/>
-              <a:t> and </a:t>
-            </a:r>
-            <a:r>
-              <a:rPr lang="pl-PL" dirty="0" err="1" smtClean="0"/>
-              <a:t>features</a:t>
-            </a:r>
-            <a:r>
-              <a:rPr lang="pl-PL" dirty="0" smtClean="0"/>
-              <a:t> </a:t>
-            </a:r>
-            <a:r>
-              <a:rPr lang="pl-PL" dirty="0" err="1" smtClean="0"/>
-              <a:t>work</a:t>
-            </a:r>
-            <a:r>
-              <a:rPr lang="pl-PL" dirty="0" smtClean="0"/>
-              <a:t> on the same </a:t>
-            </a:r>
-            <a:r>
-              <a:rPr lang="pl-PL" dirty="0" err="1" smtClean="0"/>
-              <a:t>level</a:t>
-            </a:r>
-            <a:r>
-              <a:rPr lang="pl-PL" dirty="0" smtClean="0"/>
-              <a:t> of </a:t>
-            </a:r>
-            <a:r>
-              <a:rPr lang="pl-PL" dirty="0" err="1" smtClean="0"/>
-              <a:t>scale</a:t>
-            </a:r>
-            <a:r>
-              <a:rPr lang="pl-PL" dirty="0"/>
-              <a:t> </a:t>
-            </a:r>
-            <a:r>
-              <a:rPr lang="pl-PL" dirty="0" smtClean="0"/>
-              <a:t>(0.0 – 1.0) </a:t>
-            </a:r>
-            <a:r>
-              <a:rPr lang="pl-PL" dirty="0" err="1" smtClean="0"/>
-              <a:t>instead</a:t>
-            </a:r>
-            <a:r>
-              <a:rPr lang="pl-PL" dirty="0" smtClean="0"/>
-              <a:t> of </a:t>
-            </a:r>
-            <a:r>
-              <a:rPr lang="pl-PL" dirty="0" err="1" smtClean="0"/>
-              <a:t>having</a:t>
-            </a:r>
-            <a:r>
-              <a:rPr lang="pl-PL" dirty="0" smtClean="0"/>
-              <a:t> </a:t>
-            </a:r>
-            <a:r>
-              <a:rPr lang="pl-PL" dirty="0" err="1" smtClean="0"/>
-              <a:t>different</a:t>
-            </a:r>
-            <a:r>
-              <a:rPr lang="pl-PL" dirty="0" smtClean="0"/>
-              <a:t> </a:t>
-            </a:r>
-            <a:r>
-              <a:rPr lang="pl-PL" dirty="0" err="1" smtClean="0"/>
-              <a:t>scales</a:t>
-            </a:r>
-            <a:r>
-              <a:rPr lang="pl-PL" dirty="0" smtClean="0"/>
-              <a:t> (0-1, 0-255, etc.)</a:t>
-            </a:r>
+            <a:endParaRPr lang="pl-PL"/>
           </a:p>
         </p:txBody>
       </p:sp>
     </p:spTree>
     <p:extLst>
       <p:ext uri="{BB962C8B-B14F-4D97-AF65-F5344CB8AC3E}">
-        <p14:creationId xmlns:p14="http://schemas.microsoft.com/office/powerpoint/2010/main" val="475611808"/>
+        <p14:creationId xmlns:p14="http://schemas.microsoft.com/office/powerpoint/2010/main" val="2300372434"/>
       </p:ext>
     </p:extLst>
   </p:cSld>
@@ -10585,7 +10272,15 @@
           <a:p>
             <a:r>
               <a:rPr lang="pl-PL" dirty="0" smtClean="0"/>
-              <a:t>’Conv2D’ </a:t>
+              <a:t>’</a:t>
+            </a:r>
+            <a:r>
+              <a:rPr lang="pl-PL" dirty="0" err="1" smtClean="0"/>
+              <a:t>Rescaling</a:t>
+            </a:r>
+            <a:r>
+              <a:rPr lang="pl-PL" dirty="0" smtClean="0"/>
+              <a:t>’ </a:t>
             </a:r>
             <a:r>
               <a:rPr lang="pl-PL" dirty="0" err="1" smtClean="0"/>
@@ -10625,73 +10320,36 @@
             </a:r>
             <a:r>
               <a:rPr lang="pl-PL" dirty="0" err="1" smtClean="0"/>
-              <a:t>P</a:t>
-            </a:r>
-            <a:r>
-              <a:rPr lang="pl-PL" dirty="0" err="1" smtClean="0"/>
-              <a:t>erforms</a:t>
-            </a:r>
-            <a:r>
-              <a:rPr lang="pl-PL" dirty="0" smtClean="0"/>
-              <a:t> </a:t>
-            </a:r>
-            <a:r>
-              <a:rPr lang="pl-PL" dirty="0"/>
-              <a:t>element-</a:t>
-            </a:r>
-            <a:r>
-              <a:rPr lang="pl-PL" dirty="0" err="1"/>
-              <a:t>wise</a:t>
-            </a:r>
-            <a:r>
-              <a:rPr lang="pl-PL" dirty="0"/>
-              <a:t> </a:t>
-            </a:r>
-            <a:r>
-              <a:rPr lang="pl-PL" dirty="0" err="1"/>
-              <a:t>multiplication</a:t>
-            </a:r>
-            <a:r>
-              <a:rPr lang="pl-PL" dirty="0"/>
-              <a:t> on </a:t>
-            </a:r>
-            <a:r>
-              <a:rPr lang="pl-PL" dirty="0" err="1"/>
-              <a:t>some</a:t>
-            </a:r>
-            <a:r>
-              <a:rPr lang="pl-PL" dirty="0"/>
-              <a:t> </a:t>
-            </a:r>
-            <a:r>
-              <a:rPr lang="pl-PL" dirty="0" err="1"/>
-              <a:t>parts</a:t>
-            </a:r>
-            <a:r>
-              <a:rPr lang="pl-PL" dirty="0"/>
-              <a:t> of the </a:t>
-            </a:r>
-            <a:r>
-              <a:rPr lang="pl-PL" dirty="0" err="1"/>
+              <a:t>It’s</a:t>
+            </a:r>
+            <a:r>
+              <a:rPr lang="pl-PL" dirty="0" smtClean="0"/>
+              <a:t> </a:t>
+            </a:r>
+            <a:r>
+              <a:rPr lang="pl-PL" dirty="0" err="1" smtClean="0"/>
+              <a:t>necessary</a:t>
+            </a:r>
+            <a:r>
+              <a:rPr lang="pl-PL" dirty="0" smtClean="0"/>
+              <a:t> to </a:t>
+            </a:r>
+            <a:r>
+              <a:rPr lang="pl-PL" dirty="0" err="1" smtClean="0"/>
+              <a:t>normalize</a:t>
+            </a:r>
+            <a:r>
+              <a:rPr lang="pl-PL" dirty="0" smtClean="0"/>
+              <a:t> </a:t>
+            </a:r>
+            <a:r>
+              <a:rPr lang="pl-PL" dirty="0" err="1" smtClean="0"/>
               <a:t>input</a:t>
             </a:r>
             <a:r>
-              <a:rPr lang="pl-PL" dirty="0"/>
-              <a:t> matrix </a:t>
-            </a:r>
-            <a:r>
-              <a:rPr lang="pl-PL" dirty="0" err="1"/>
-              <a:t>at</a:t>
-            </a:r>
-            <a:r>
-              <a:rPr lang="pl-PL" dirty="0"/>
-              <a:t> a </a:t>
-            </a:r>
-            <a:r>
-              <a:rPr lang="pl-PL" dirty="0" err="1" smtClean="0"/>
-              <a:t>time</a:t>
-            </a:r>
-            <a:endParaRPr lang="pl-PL" dirty="0" smtClean="0"/>
+              <a:rPr lang="pl-PL" dirty="0" smtClean="0"/>
+              <a:t> data</a:t>
+            </a:r>
           </a:p>
           <a:p>
             <a:pPr>
@@ -10703,65 +10361,104 @@
               <a:t> </a:t>
             </a:r>
             <a:r>
-              <a:rPr lang="pl-PL" dirty="0" err="1"/>
-              <a:t>O</a:t>
-            </a:r>
-            <a:r>
-              <a:rPr lang="pl-PL" dirty="0" err="1" smtClean="0"/>
-              <a:t>utputs</a:t>
-            </a:r>
-            <a:r>
-              <a:rPr lang="pl-PL" dirty="0" smtClean="0"/>
-              <a:t> </a:t>
+              <a:rPr lang="pl-PL" dirty="0" err="1" smtClean="0"/>
+              <a:t>Makes</a:t>
+            </a:r>
+            <a:r>
+              <a:rPr lang="pl-PL" dirty="0" smtClean="0"/>
+              <a:t> </a:t>
+            </a:r>
+            <a:r>
+              <a:rPr lang="pl-PL" dirty="0" err="1" smtClean="0"/>
+              <a:t>all</a:t>
+            </a:r>
+            <a:r>
+              <a:rPr lang="pl-PL" dirty="0" smtClean="0"/>
+              <a:t> </a:t>
+            </a:r>
+            <a:r>
+              <a:rPr lang="pl-PL" dirty="0" err="1" smtClean="0"/>
+              <a:t>layers</a:t>
+            </a:r>
+            <a:r>
+              <a:rPr lang="pl-PL" dirty="0" smtClean="0"/>
+              <a:t> and </a:t>
+            </a:r>
+            <a:r>
+              <a:rPr lang="pl-PL" dirty="0" err="1" smtClean="0"/>
+              <a:t>features</a:t>
+            </a:r>
+            <a:r>
+              <a:rPr lang="pl-PL" dirty="0" smtClean="0"/>
+              <a:t> </a:t>
+            </a:r>
+            <a:r>
+              <a:rPr lang="pl-PL" dirty="0" err="1" smtClean="0"/>
+              <a:t>work</a:t>
+            </a:r>
+            <a:r>
+              <a:rPr lang="pl-PL" dirty="0" smtClean="0"/>
+              <a:t> on the same </a:t>
+            </a:r>
+            <a:r>
+              <a:rPr lang="pl-PL" dirty="0" err="1" smtClean="0"/>
+              <a:t>level</a:t>
+            </a:r>
+            <a:r>
+              <a:rPr lang="pl-PL" dirty="0" smtClean="0"/>
+              <a:t> of </a:t>
+            </a:r>
+            <a:r>
+              <a:rPr lang="pl-PL" dirty="0" err="1" smtClean="0"/>
+              <a:t>scale</a:t>
             </a:r>
             <a:r>
               <a:rPr lang="pl-PL" dirty="0"/>
-              <a:t>a </a:t>
-            </a:r>
-            <a:r>
-              <a:rPr lang="pl-PL" dirty="0" err="1"/>
+              <a:t> </a:t>
+            </a:r>
+            <a:r>
+              <a:rPr lang="pl-PL" dirty="0" smtClean="0"/>
+              <a:t>(0.0 – 1.0) </a:t>
+            </a:r>
+            <a:r>
+              <a:rPr lang="pl-PL" dirty="0" err="1" smtClean="0"/>
+              <a:t>instead</a:t>
+            </a:r>
+            <a:r>
+              <a:rPr lang="pl-PL" dirty="0" smtClean="0"/>
+              <a:t> of </a:t>
+            </a:r>
+            <a:r>
+              <a:rPr lang="pl-PL" dirty="0" err="1" smtClean="0"/>
+              <a:t>having</a:t>
+            </a:r>
+            <a:r>
+              <a:rPr lang="pl-PL" dirty="0" smtClean="0"/>
+              <a:t> </a:t>
+            </a:r>
+            <a:r>
+              <a:rPr lang="pl-PL" dirty="0" err="1" smtClean="0"/>
               <a:t>different</a:t>
             </a:r>
             <a:r>
-              <a:rPr lang="pl-PL" dirty="0"/>
-              <a:t> </a:t>
-            </a:r>
-            <a:r>
-              <a:rPr lang="pl-PL" dirty="0" smtClean="0"/>
-              <a:t>matrix</a:t>
-            </a:r>
-            <a:endParaRPr lang="pl-PL" dirty="0" smtClean="0"/>
-          </a:p>
-        </p:txBody>
-      </p:sp>
-      <p:pic>
-        <p:nvPicPr>
-          <p:cNvPr id="4" name="Obraz 3"/>
-          <p:cNvPicPr>
-            <a:picLocks noChangeAspect="1"/>
-          </p:cNvPicPr>
-          <p:nvPr/>
-        </p:nvPicPr>
-        <p:blipFill>
-          <a:blip r:embed="rId3"/>
-          <a:stretch>
-            <a:fillRect/>
-          </a:stretch>
-        </p:blipFill>
-        <p:spPr>
-          <a:xfrm>
-            <a:off x="2259330" y="2894225"/>
-            <a:ext cx="7734300" cy="2900363"/>
-          </a:xfrm>
-          <a:prstGeom prst="rect">
-            <a:avLst/>
-          </a:prstGeom>
-        </p:spPr>
-      </p:pic>
+              <a:rPr lang="pl-PL" dirty="0" smtClean="0"/>
+              <a:t> </a:t>
+            </a:r>
+            <a:r>
+              <a:rPr lang="pl-PL" dirty="0" err="1" smtClean="0"/>
+              <a:t>scales</a:t>
+            </a:r>
+            <a:r>
+              <a:rPr lang="pl-PL" dirty="0" smtClean="0"/>
+              <a:t> (0-1, 0-255, etc.)</a:t>
+            </a:r>
+          </a:p>
+        </p:txBody>
+      </p:sp>
     </p:spTree>
     <p:extLst>
       <p:ext uri="{BB962C8B-B14F-4D97-AF65-F5344CB8AC3E}">
-        <p14:creationId xmlns:p14="http://schemas.microsoft.com/office/powerpoint/2010/main" val="645519575"/>
+        <p14:creationId xmlns:p14="http://schemas.microsoft.com/office/powerpoint/2010/main" val="475611808"/>
       </p:ext>
     </p:extLst>
   </p:cSld>
@@ -10809,690 +10506,6 @@
             </a:r>
             <a:r>
               <a:rPr lang="pl-PL" dirty="0" err="1" smtClean="0"/>
-              <a:t>Dense</a:t>
-            </a:r>
-            <a:r>
-              <a:rPr lang="pl-PL" dirty="0" smtClean="0"/>
-              <a:t>’ </a:t>
-            </a:r>
-            <a:r>
-              <a:rPr lang="pl-PL" dirty="0" err="1" smtClean="0"/>
-              <a:t>layer</a:t>
-            </a:r>
-            <a:endParaRPr lang="pl-PL" dirty="0"/>
-          </a:p>
-        </p:txBody>
-      </p:sp>
-      <p:sp>
-        <p:nvSpPr>
-          <p:cNvPr id="3" name="Symbol zastępczy zawartości 2"/>
-          <p:cNvSpPr>
-            <a:spLocks noGrp="1"/>
-          </p:cNvSpPr>
-          <p:nvPr>
-            <p:ph idx="1"/>
-          </p:nvPr>
-        </p:nvSpPr>
-        <p:spPr>
-          <a:xfrm>
-            <a:off x="1097280" y="1771228"/>
-            <a:ext cx="10058400" cy="4023360"/>
-          </a:xfrm>
-        </p:spPr>
-        <p:txBody>
-          <a:bodyPr>
-            <a:normAutofit/>
-          </a:bodyPr>
-          <a:lstStyle/>
-          <a:p>
-            <a:pPr>
-              <a:buFont typeface="Wingdings" panose="05000000000000000000" pitchFamily="2" charset="2"/>
-              <a:buChar char="v"/>
-            </a:pPr>
-            <a:r>
-              <a:rPr lang="pl-PL" dirty="0" smtClean="0"/>
-              <a:t> </a:t>
-            </a:r>
-            <a:r>
-              <a:rPr lang="pl-PL" dirty="0" err="1"/>
-              <a:t>a</a:t>
-            </a:r>
-            <a:r>
-              <a:rPr lang="pl-PL" dirty="0" err="1" smtClean="0"/>
-              <a:t>pplies</a:t>
-            </a:r>
-            <a:r>
-              <a:rPr lang="pl-PL" dirty="0" smtClean="0"/>
-              <a:t> a non-</a:t>
-            </a:r>
-            <a:r>
-              <a:rPr lang="pl-PL" dirty="0" err="1" smtClean="0"/>
-              <a:t>linear</a:t>
-            </a:r>
-            <a:r>
-              <a:rPr lang="pl-PL" dirty="0" smtClean="0"/>
-              <a:t> </a:t>
-            </a:r>
-            <a:r>
-              <a:rPr lang="pl-PL" dirty="0" err="1" smtClean="0"/>
-              <a:t>transform</a:t>
-            </a:r>
-            <a:r>
-              <a:rPr lang="pl-PL" dirty="0" smtClean="0"/>
-              <a:t> on data</a:t>
-            </a:r>
-            <a:endParaRPr lang="pl-PL" dirty="0" smtClean="0"/>
-          </a:p>
-          <a:p>
-            <a:pPr>
-              <a:buFont typeface="Wingdings" panose="05000000000000000000" pitchFamily="2" charset="2"/>
-              <a:buChar char="v"/>
-            </a:pPr>
-            <a:r>
-              <a:rPr lang="pl-PL" dirty="0" smtClean="0"/>
-              <a:t> </a:t>
-            </a:r>
-            <a:r>
-              <a:rPr lang="pl-PL" dirty="0" err="1" smtClean="0"/>
-              <a:t>each</a:t>
-            </a:r>
-            <a:r>
-              <a:rPr lang="pl-PL" dirty="0" smtClean="0"/>
-              <a:t> neuron in </a:t>
-            </a:r>
-            <a:r>
-              <a:rPr lang="pl-PL" dirty="0" err="1" smtClean="0"/>
-              <a:t>Dense</a:t>
-            </a:r>
-            <a:r>
-              <a:rPr lang="pl-PL" dirty="0" smtClean="0"/>
-              <a:t> </a:t>
-            </a:r>
-            <a:r>
-              <a:rPr lang="pl-PL" dirty="0" err="1" smtClean="0"/>
-              <a:t>layer</a:t>
-            </a:r>
-            <a:r>
-              <a:rPr lang="pl-PL" dirty="0" smtClean="0"/>
-              <a:t> </a:t>
-            </a:r>
-            <a:r>
-              <a:rPr lang="pl-PL" dirty="0" err="1" smtClean="0"/>
-              <a:t>receives</a:t>
-            </a:r>
-            <a:r>
-              <a:rPr lang="pl-PL" dirty="0" smtClean="0"/>
-              <a:t> </a:t>
-            </a:r>
-            <a:r>
-              <a:rPr lang="pl-PL" dirty="0" err="1" smtClean="0"/>
-              <a:t>input</a:t>
-            </a:r>
-            <a:r>
-              <a:rPr lang="pl-PL" dirty="0" smtClean="0"/>
-              <a:t> from </a:t>
-            </a:r>
-            <a:r>
-              <a:rPr lang="pl-PL" dirty="0" err="1" smtClean="0"/>
-              <a:t>all</a:t>
-            </a:r>
-            <a:r>
-              <a:rPr lang="pl-PL" dirty="0" smtClean="0"/>
-              <a:t> </a:t>
-            </a:r>
-            <a:r>
-              <a:rPr lang="pl-PL" dirty="0" err="1" smtClean="0"/>
-              <a:t>neurons</a:t>
-            </a:r>
-            <a:r>
-              <a:rPr lang="pl-PL" dirty="0" smtClean="0"/>
-              <a:t> from </a:t>
-            </a:r>
-            <a:r>
-              <a:rPr lang="pl-PL" dirty="0" err="1" smtClean="0"/>
-              <a:t>previous</a:t>
-            </a:r>
-            <a:r>
-              <a:rPr lang="pl-PL" dirty="0" smtClean="0"/>
-              <a:t> </a:t>
-            </a:r>
-            <a:r>
-              <a:rPr lang="pl-PL" dirty="0" err="1" smtClean="0"/>
-              <a:t>layer</a:t>
-            </a:r>
-            <a:r>
-              <a:rPr lang="pl-PL" dirty="0" smtClean="0"/>
-              <a:t> </a:t>
-            </a:r>
-          </a:p>
-          <a:p>
-            <a:pPr>
-              <a:buFont typeface="Wingdings" panose="05000000000000000000" pitchFamily="2" charset="2"/>
-              <a:buChar char="v"/>
-            </a:pPr>
-            <a:r>
-              <a:rPr lang="pl-PL" dirty="0" smtClean="0"/>
-              <a:t> </a:t>
-            </a:r>
-            <a:r>
-              <a:rPr lang="pl-PL" dirty="0" err="1" smtClean="0"/>
-              <a:t>activation</a:t>
-            </a:r>
-            <a:r>
-              <a:rPr lang="pl-PL" dirty="0" smtClean="0"/>
-              <a:t> </a:t>
-            </a:r>
-            <a:r>
-              <a:rPr lang="pl-PL" dirty="0" err="1" smtClean="0"/>
-              <a:t>function</a:t>
-            </a:r>
-            <a:r>
-              <a:rPr lang="pl-PL" dirty="0" smtClean="0"/>
-              <a:t> </a:t>
-            </a:r>
-            <a:r>
-              <a:rPr lang="pl-PL" dirty="0" err="1" smtClean="0"/>
-              <a:t>passed</a:t>
-            </a:r>
-            <a:r>
-              <a:rPr lang="pl-PL" dirty="0" smtClean="0"/>
-              <a:t> as </a:t>
-            </a:r>
-            <a:r>
-              <a:rPr lang="pl-PL" dirty="0" err="1" smtClean="0"/>
-              <a:t>parameter</a:t>
-            </a:r>
-            <a:endParaRPr lang="pl-PL" dirty="0" smtClean="0"/>
-          </a:p>
-          <a:p>
-            <a:pPr>
-              <a:buFont typeface="Wingdings" panose="05000000000000000000" pitchFamily="2" charset="2"/>
-              <a:buChar char="v"/>
-            </a:pPr>
-            <a:r>
-              <a:rPr lang="pl-PL" dirty="0"/>
-              <a:t> for </a:t>
-            </a:r>
-            <a:r>
-              <a:rPr lang="pl-PL" dirty="0" err="1"/>
-              <a:t>activation</a:t>
-            </a:r>
-            <a:r>
-              <a:rPr lang="pl-PL" dirty="0"/>
-              <a:t> </a:t>
-            </a:r>
-            <a:r>
-              <a:rPr lang="pl-PL" dirty="0" err="1"/>
-              <a:t>function</a:t>
-            </a:r>
-            <a:r>
-              <a:rPr lang="pl-PL" dirty="0"/>
-              <a:t> we </a:t>
-            </a:r>
-            <a:r>
-              <a:rPr lang="pl-PL" dirty="0" err="1"/>
-              <a:t>used</a:t>
-            </a:r>
-            <a:r>
-              <a:rPr lang="pl-PL" dirty="0"/>
-              <a:t> </a:t>
-            </a:r>
-            <a:r>
-              <a:rPr lang="pl-PL" dirty="0" err="1"/>
-              <a:t>ReLU</a:t>
-            </a:r>
-            <a:r>
-              <a:rPr lang="pl-PL" dirty="0"/>
-              <a:t> – </a:t>
-            </a:r>
-            <a:r>
-              <a:rPr lang="pl-PL" dirty="0" err="1"/>
-              <a:t>returns</a:t>
-            </a:r>
-            <a:r>
-              <a:rPr lang="pl-PL" dirty="0"/>
-              <a:t> </a:t>
-            </a:r>
-            <a:r>
-              <a:rPr lang="pl-PL" dirty="0" err="1"/>
-              <a:t>input</a:t>
-            </a:r>
-            <a:r>
-              <a:rPr lang="pl-PL" dirty="0"/>
-              <a:t> </a:t>
-            </a:r>
-            <a:r>
-              <a:rPr lang="pl-PL" dirty="0" err="1"/>
-              <a:t>if</a:t>
-            </a:r>
-            <a:r>
-              <a:rPr lang="pl-PL" dirty="0"/>
-              <a:t> </a:t>
-            </a:r>
-            <a:r>
-              <a:rPr lang="pl-PL" dirty="0" err="1"/>
-              <a:t>it’s</a:t>
-            </a:r>
-            <a:r>
-              <a:rPr lang="pl-PL" dirty="0"/>
-              <a:t> </a:t>
-            </a:r>
-            <a:r>
-              <a:rPr lang="pl-PL" dirty="0" err="1"/>
-              <a:t>positive</a:t>
-            </a:r>
-            <a:r>
-              <a:rPr lang="pl-PL" dirty="0"/>
-              <a:t>, </a:t>
-            </a:r>
-            <a:r>
-              <a:rPr lang="pl-PL" dirty="0" err="1"/>
-              <a:t>otherwise</a:t>
-            </a:r>
-            <a:r>
-              <a:rPr lang="pl-PL" dirty="0"/>
-              <a:t> </a:t>
-            </a:r>
-            <a:r>
-              <a:rPr lang="pl-PL" dirty="0" err="1"/>
-              <a:t>returns</a:t>
-            </a:r>
-            <a:r>
-              <a:rPr lang="pl-PL" dirty="0"/>
-              <a:t> </a:t>
-            </a:r>
-            <a:r>
-              <a:rPr lang="pl-PL" dirty="0" smtClean="0"/>
-              <a:t>zero; </a:t>
-            </a:r>
-            <a:r>
-              <a:rPr lang="pl-PL" dirty="0" err="1" smtClean="0"/>
-              <a:t>it’s</a:t>
-            </a:r>
-            <a:r>
-              <a:rPr lang="pl-PL" dirty="0" smtClean="0"/>
-              <a:t> fast, </a:t>
-            </a:r>
-            <a:r>
-              <a:rPr lang="pl-PL" dirty="0" err="1" smtClean="0"/>
-              <a:t>simple</a:t>
-            </a:r>
-            <a:r>
-              <a:rPr lang="pl-PL" dirty="0" smtClean="0"/>
-              <a:t> and </a:t>
-            </a:r>
-            <a:r>
-              <a:rPr lang="pl-PL" dirty="0" err="1" smtClean="0"/>
-              <a:t>universally</a:t>
-            </a:r>
-            <a:r>
-              <a:rPr lang="pl-PL" dirty="0" smtClean="0"/>
-              <a:t> </a:t>
-            </a:r>
-            <a:r>
-              <a:rPr lang="pl-PL" dirty="0" err="1" smtClean="0"/>
-              <a:t>works</a:t>
-            </a:r>
-            <a:r>
-              <a:rPr lang="pl-PL" dirty="0" smtClean="0"/>
-              <a:t> </a:t>
-            </a:r>
-            <a:r>
-              <a:rPr lang="pl-PL" dirty="0" err="1" smtClean="0"/>
-              <a:t>well</a:t>
-            </a:r>
-            <a:endParaRPr lang="pl-PL" dirty="0" smtClean="0"/>
-          </a:p>
-          <a:p>
-            <a:pPr>
-              <a:buFont typeface="Wingdings" panose="05000000000000000000" pitchFamily="2" charset="2"/>
-              <a:buChar char="v"/>
-            </a:pPr>
-            <a:r>
-              <a:rPr lang="pl-PL" dirty="0"/>
-              <a:t> </a:t>
-            </a:r>
-            <a:r>
-              <a:rPr lang="pl-PL" dirty="0" err="1" smtClean="0"/>
-              <a:t>parameter</a:t>
-            </a:r>
-            <a:r>
-              <a:rPr lang="pl-PL" dirty="0" smtClean="0"/>
-              <a:t> – </a:t>
-            </a:r>
-            <a:r>
-              <a:rPr lang="pl-PL" dirty="0" err="1" smtClean="0"/>
-              <a:t>number</a:t>
-            </a:r>
-            <a:r>
-              <a:rPr lang="pl-PL" dirty="0" smtClean="0"/>
-              <a:t> of </a:t>
-            </a:r>
-            <a:r>
-              <a:rPr lang="pl-PL" dirty="0" err="1" smtClean="0"/>
-              <a:t>outputs</a:t>
-            </a:r>
-            <a:endParaRPr lang="pl-PL" dirty="0" smtClean="0"/>
-          </a:p>
-          <a:p>
-            <a:pPr>
-              <a:buFont typeface="Wingdings" panose="05000000000000000000" pitchFamily="2" charset="2"/>
-              <a:buChar char="v"/>
-            </a:pPr>
-            <a:r>
-              <a:rPr lang="pl-PL" dirty="0" smtClean="0"/>
-              <a:t> </a:t>
-            </a:r>
-            <a:r>
-              <a:rPr lang="pl-PL" dirty="0" err="1" smtClean="0"/>
-              <a:t>second</a:t>
-            </a:r>
-            <a:r>
-              <a:rPr lang="pl-PL" dirty="0" smtClean="0"/>
-              <a:t> </a:t>
-            </a:r>
-            <a:r>
-              <a:rPr lang="pl-PL" dirty="0" err="1" smtClean="0"/>
-              <a:t>Dense</a:t>
-            </a:r>
-            <a:r>
-              <a:rPr lang="pl-PL" dirty="0" smtClean="0"/>
-              <a:t> </a:t>
-            </a:r>
-            <a:r>
-              <a:rPr lang="pl-PL" dirty="0" err="1" smtClean="0"/>
-              <a:t>layer</a:t>
-            </a:r>
-            <a:r>
-              <a:rPr lang="pl-PL" dirty="0" smtClean="0"/>
-              <a:t> – </a:t>
-            </a:r>
-            <a:r>
-              <a:rPr lang="pl-PL" dirty="0" err="1" smtClean="0"/>
-              <a:t>output</a:t>
-            </a:r>
-            <a:r>
-              <a:rPr lang="pl-PL" dirty="0" smtClean="0"/>
-              <a:t> </a:t>
-            </a:r>
-            <a:r>
-              <a:rPr lang="pl-PL" dirty="0" err="1" smtClean="0"/>
-              <a:t>size</a:t>
-            </a:r>
-            <a:r>
-              <a:rPr lang="pl-PL" dirty="0" smtClean="0"/>
-              <a:t> </a:t>
-            </a:r>
-            <a:r>
-              <a:rPr lang="pl-PL" dirty="0" err="1" smtClean="0"/>
-              <a:t>is</a:t>
-            </a:r>
-            <a:r>
-              <a:rPr lang="pl-PL" dirty="0" smtClean="0"/>
-              <a:t> </a:t>
-            </a:r>
-            <a:r>
-              <a:rPr lang="pl-PL" dirty="0" err="1" smtClean="0"/>
-              <a:t>equal</a:t>
-            </a:r>
-            <a:r>
-              <a:rPr lang="pl-PL" dirty="0" smtClean="0"/>
-              <a:t> to the </a:t>
-            </a:r>
-            <a:r>
-              <a:rPr lang="pl-PL" dirty="0" err="1" smtClean="0"/>
-              <a:t>amount</a:t>
-            </a:r>
-            <a:r>
-              <a:rPr lang="pl-PL" dirty="0" smtClean="0"/>
-              <a:t> of </a:t>
-            </a:r>
-            <a:r>
-              <a:rPr lang="pl-PL" dirty="0" err="1" smtClean="0"/>
-              <a:t>classes</a:t>
-            </a:r>
-            <a:r>
-              <a:rPr lang="pl-PL" dirty="0" smtClean="0"/>
-              <a:t> we </a:t>
-            </a:r>
-            <a:r>
-              <a:rPr lang="pl-PL" dirty="0" err="1" smtClean="0"/>
-              <a:t>have</a:t>
-            </a:r>
-            <a:r>
-              <a:rPr lang="pl-PL" dirty="0" smtClean="0"/>
-              <a:t> (37)</a:t>
-            </a:r>
-            <a:endParaRPr lang="pl-PL" dirty="0"/>
-          </a:p>
-        </p:txBody>
-      </p:sp>
-      <p:graphicFrame>
-        <p:nvGraphicFramePr>
-          <p:cNvPr id="6" name="Obiekt 5"/>
-          <p:cNvGraphicFramePr>
-            <a:graphicFrameLocks noChangeAspect="1"/>
-          </p:cNvGraphicFramePr>
-          <p:nvPr>
-            <p:extLst>
-              <p:ext uri="{D42A27DB-BD31-4B8C-83A1-F6EECF244321}">
-                <p14:modId xmlns:p14="http://schemas.microsoft.com/office/powerpoint/2010/main" val="863432267"/>
-              </p:ext>
-            </p:extLst>
-          </p:nvPr>
-        </p:nvGraphicFramePr>
-        <p:xfrm>
-          <a:off x="4531836" y="4703041"/>
-          <a:ext cx="3189287" cy="531812"/>
-        </p:xfrm>
-        <a:graphic>
-          <a:graphicData uri="http://schemas.openxmlformats.org/presentationml/2006/ole">
-            <mc:AlternateContent xmlns:mc="http://schemas.openxmlformats.org/markup-compatibility/2006">
-              <mc:Choice xmlns:v="urn:schemas-microsoft-com:vml" Requires="v">
-                <p:oleObj spid="_x0000_s17420" name="Dokument" r:id="rId4" imgW="3189600" imgH="532080" progId="Word.OpenDocumentText.12">
-                  <p:embed/>
-                </p:oleObj>
-              </mc:Choice>
-              <mc:Fallback>
-                <p:oleObj name="Dokument" r:id="rId4" imgW="3189600" imgH="532080" progId="Word.OpenDocumentText.12">
-                  <p:embed/>
-                  <p:pic>
-                    <p:nvPicPr>
-                      <p:cNvPr id="6" name="Obiekt 5"/>
-                      <p:cNvPicPr/>
-                      <p:nvPr/>
-                    </p:nvPicPr>
-                    <p:blipFill>
-                      <a:blip r:embed="rId5"/>
-                      <a:stretch>
-                        <a:fillRect/>
-                      </a:stretch>
-                    </p:blipFill>
-                    <p:spPr>
-                      <a:xfrm>
-                        <a:off x="4531836" y="4703041"/>
-                        <a:ext cx="3189287" cy="531812"/>
-                      </a:xfrm>
-                      <a:prstGeom prst="rect">
-                        <a:avLst/>
-                      </a:prstGeom>
-                    </p:spPr>
-                  </p:pic>
-                </p:oleObj>
-              </mc:Fallback>
-            </mc:AlternateContent>
-          </a:graphicData>
-        </a:graphic>
-      </p:graphicFrame>
-    </p:spTree>
-    <p:extLst>
-      <p:ext uri="{BB962C8B-B14F-4D97-AF65-F5344CB8AC3E}">
-        <p14:creationId xmlns:p14="http://schemas.microsoft.com/office/powerpoint/2010/main" val="11390732"/>
-      </p:ext>
-    </p:extLst>
-  </p:cSld>
-  <p:clrMapOvr>
-    <a:masterClrMapping/>
-  </p:clrMapOvr>
-</p:sld>
-</file>
-
-<file path=ppt/slides/slide28.xml><?xml version="1.0" encoding="utf-8"?>
-<p:sld xmlns:a="http://schemas.openxmlformats.org/drawingml/2006/main" xmlns:r="http://schemas.openxmlformats.org/officeDocument/2006/relationships" xmlns:p="http://schemas.openxmlformats.org/presentationml/2006/main">
-  <p:cSld>
-    <p:spTree>
-      <p:nvGrpSpPr>
-        <p:cNvPr id="1" name=""/>
-        <p:cNvGrpSpPr/>
-        <p:nvPr/>
-      </p:nvGrpSpPr>
-      <p:grpSpPr>
-        <a:xfrm>
-          <a:off x="0" y="0"/>
-          <a:ext cx="0" cy="0"/>
-          <a:chOff x="0" y="0"/>
-          <a:chExt cx="0" cy="0"/>
-        </a:xfrm>
-      </p:grpSpPr>
-      <p:sp>
-        <p:nvSpPr>
-          <p:cNvPr id="2" name="Tytuł 1"/>
-          <p:cNvSpPr>
-            <a:spLocks noGrp="1"/>
-          </p:cNvSpPr>
-          <p:nvPr>
-            <p:ph type="title"/>
-          </p:nvPr>
-        </p:nvSpPr>
-        <p:spPr/>
-        <p:txBody>
-          <a:bodyPr/>
-          <a:lstStyle/>
-          <a:p>
-            <a:r>
-              <a:rPr lang="pl-PL" dirty="0" smtClean="0"/>
-              <a:t>’</a:t>
-            </a:r>
-            <a:r>
-              <a:rPr lang="pl-PL" dirty="0" err="1" smtClean="0"/>
-              <a:t>Dense</a:t>
-            </a:r>
-            <a:r>
-              <a:rPr lang="pl-PL" dirty="0" smtClean="0"/>
-              <a:t>’ </a:t>
-            </a:r>
-            <a:r>
-              <a:rPr lang="pl-PL" dirty="0" err="1" smtClean="0"/>
-              <a:t>layer</a:t>
-            </a:r>
-            <a:r>
-              <a:rPr lang="pl-PL" dirty="0" smtClean="0"/>
-              <a:t> – </a:t>
-            </a:r>
-            <a:r>
-              <a:rPr lang="pl-PL" dirty="0" err="1" smtClean="0"/>
-              <a:t>cont</a:t>
-            </a:r>
-            <a:r>
-              <a:rPr lang="pl-PL" dirty="0" smtClean="0"/>
-              <a:t>.</a:t>
-            </a:r>
-            <a:endParaRPr lang="pl-PL" dirty="0"/>
-          </a:p>
-        </p:txBody>
-      </p:sp>
-      <p:pic>
-        <p:nvPicPr>
-          <p:cNvPr id="18434" name="Picture 2" descr="Keras Dense Layer Example in Shallow Neural Network"/>
-          <p:cNvPicPr>
-            <a:picLocks noChangeAspect="1" noChangeArrowheads="1" noCrop="1"/>
-          </p:cNvPicPr>
-          <p:nvPr/>
-        </p:nvPicPr>
-        <p:blipFill>
-          <a:blip r:embed="rId2">
-            <a:extLst>
-              <a:ext uri="{28A0092B-C50C-407E-A947-70E740481C1C}">
-                <a14:useLocalDpi xmlns:a14="http://schemas.microsoft.com/office/drawing/2010/main" val="0"/>
-              </a:ext>
-            </a:extLst>
-          </a:blip>
-          <a:srcRect/>
-          <a:stretch>
-            <a:fillRect/>
-          </a:stretch>
-        </p:blipFill>
-        <p:spPr bwMode="auto">
-          <a:xfrm>
-            <a:off x="3268980" y="1872762"/>
-            <a:ext cx="5715000" cy="4286250"/>
-          </a:xfrm>
-          <a:prstGeom prst="rect">
-            <a:avLst/>
-          </a:prstGeom>
-          <a:noFill/>
-          <a:extLst>
-            <a:ext uri="{909E8E84-426E-40DD-AFC4-6F175D3DCCD1}">
-              <a14:hiddenFill xmlns:a14="http://schemas.microsoft.com/office/drawing/2010/main">
-                <a:solidFill>
-                  <a:srgbClr val="FFFFFF"/>
-                </a:solidFill>
-              </a14:hiddenFill>
-            </a:ext>
-          </a:extLst>
-        </p:spPr>
-      </p:pic>
-    </p:spTree>
-    <p:extLst>
-      <p:ext uri="{BB962C8B-B14F-4D97-AF65-F5344CB8AC3E}">
-        <p14:creationId xmlns:p14="http://schemas.microsoft.com/office/powerpoint/2010/main" val="1833212584"/>
-      </p:ext>
-    </p:extLst>
-  </p:cSld>
-  <p:clrMapOvr>
-    <a:masterClrMapping/>
-  </p:clrMapOvr>
-</p:sld>
-</file>
-
-<file path=ppt/slides/slide29.xml><?xml version="1.0" encoding="utf-8"?>
-<p:sld xmlns:a="http://schemas.openxmlformats.org/drawingml/2006/main" xmlns:r="http://schemas.openxmlformats.org/officeDocument/2006/relationships" xmlns:p="http://schemas.openxmlformats.org/presentationml/2006/main">
-  <p:cSld>
-    <p:spTree>
-      <p:nvGrpSpPr>
-        <p:cNvPr id="1" name=""/>
-        <p:cNvGrpSpPr/>
-        <p:nvPr/>
-      </p:nvGrpSpPr>
-      <p:grpSpPr>
-        <a:xfrm>
-          <a:off x="0" y="0"/>
-          <a:ext cx="0" cy="0"/>
-          <a:chOff x="0" y="0"/>
-          <a:chExt cx="0" cy="0"/>
-        </a:xfrm>
-      </p:grpSpPr>
-      <p:sp>
-        <p:nvSpPr>
-          <p:cNvPr id="2" name="Tytuł 1"/>
-          <p:cNvSpPr>
-            <a:spLocks noGrp="1"/>
-          </p:cNvSpPr>
-          <p:nvPr>
-            <p:ph type="title"/>
-          </p:nvPr>
-        </p:nvSpPr>
-        <p:spPr/>
-        <p:txBody>
-          <a:bodyPr/>
-          <a:lstStyle/>
-          <a:p>
-            <a:r>
-              <a:rPr lang="pl-PL" dirty="0" smtClean="0"/>
-              <a:t>’</a:t>
-            </a:r>
-            <a:r>
-              <a:rPr lang="pl-PL" dirty="0" err="1" smtClean="0"/>
               <a:t>Dropout</a:t>
             </a:r>
             <a:r>
@@ -11791,7 +10804,7 @@
           <a:graphicData uri="http://schemas.openxmlformats.org/presentationml/2006/ole">
             <mc:AlternateContent xmlns:mc="http://schemas.openxmlformats.org/markup-compatibility/2006">
               <mc:Choice xmlns:v="urn:schemas-microsoft-com:vml" Requires="v">
-                <p:oleObj spid="_x0000_s12352" name="Dokument" r:id="rId3" imgW="1948320" imgH="466560" progId="Word.OpenDocumentText.12">
+                <p:oleObj spid="_x0000_s12353" name="Dokument" r:id="rId3" imgW="1948320" imgH="466560" progId="Word.OpenDocumentText.12">
                   <p:embed/>
                 </p:oleObj>
               </mc:Choice>
@@ -11830,6 +10843,589 @@
     <p:extLst>
       <p:ext uri="{BB962C8B-B14F-4D97-AF65-F5344CB8AC3E}">
         <p14:creationId xmlns:p14="http://schemas.microsoft.com/office/powerpoint/2010/main" val="1611203956"/>
+      </p:ext>
+    </p:extLst>
+  </p:cSld>
+  <p:clrMapOvr>
+    <a:masterClrMapping/>
+  </p:clrMapOvr>
+</p:sld>
+</file>
+
+<file path=ppt/slides/slide28.xml><?xml version="1.0" encoding="utf-8"?>
+<p:sld xmlns:a="http://schemas.openxmlformats.org/drawingml/2006/main" xmlns:r="http://schemas.openxmlformats.org/officeDocument/2006/relationships" xmlns:p="http://schemas.openxmlformats.org/presentationml/2006/main">
+  <p:cSld>
+    <p:spTree>
+      <p:nvGrpSpPr>
+        <p:cNvPr id="1" name=""/>
+        <p:cNvGrpSpPr/>
+        <p:nvPr/>
+      </p:nvGrpSpPr>
+      <p:grpSpPr>
+        <a:xfrm>
+          <a:off x="0" y="0"/>
+          <a:ext cx="0" cy="0"/>
+          <a:chOff x="0" y="0"/>
+          <a:chExt cx="0" cy="0"/>
+        </a:xfrm>
+      </p:grpSpPr>
+      <p:sp>
+        <p:nvSpPr>
+          <p:cNvPr id="5" name="pole tekstowe 4"/>
+          <p:cNvSpPr txBox="1"/>
+          <p:nvPr/>
+        </p:nvSpPr>
+        <p:spPr>
+          <a:xfrm>
+            <a:off x="905347" y="351719"/>
+            <a:ext cx="2149306" cy="369332"/>
+          </a:xfrm>
+          <a:prstGeom prst="rect">
+            <a:avLst/>
+          </a:prstGeom>
+          <a:noFill/>
+        </p:spPr>
+        <p:txBody>
+          <a:bodyPr wrap="none" rtlCol="0">
+            <a:spAutoFit/>
+          </a:bodyPr>
+          <a:lstStyle/>
+          <a:p>
+            <a:r>
+              <a:rPr lang="pl-PL" dirty="0" err="1"/>
+              <a:t>d</a:t>
+            </a:r>
+            <a:r>
+              <a:rPr lang="pl-PL" dirty="0" err="1" smtClean="0"/>
+              <a:t>efault</a:t>
+            </a:r>
+            <a:r>
+              <a:rPr lang="pl-PL" dirty="0" smtClean="0"/>
+              <a:t> (</a:t>
+            </a:r>
+            <a:r>
+              <a:rPr lang="pl-PL" dirty="0" err="1" smtClean="0"/>
+              <a:t>dropout</a:t>
+            </a:r>
+            <a:r>
+              <a:rPr lang="pl-PL" dirty="0" smtClean="0"/>
+              <a:t> 0.2)</a:t>
+            </a:r>
+            <a:endParaRPr lang="pl-PL" dirty="0"/>
+          </a:p>
+        </p:txBody>
+      </p:sp>
+      <p:sp>
+        <p:nvSpPr>
+          <p:cNvPr id="6" name="pole tekstowe 5"/>
+          <p:cNvSpPr txBox="1"/>
+          <p:nvPr/>
+        </p:nvSpPr>
+        <p:spPr>
+          <a:xfrm>
+            <a:off x="5338328" y="351719"/>
+            <a:ext cx="1852880" cy="369332"/>
+          </a:xfrm>
+          <a:prstGeom prst="rect">
+            <a:avLst/>
+          </a:prstGeom>
+          <a:noFill/>
+        </p:spPr>
+        <p:txBody>
+          <a:bodyPr wrap="none" rtlCol="0">
+            <a:spAutoFit/>
+          </a:bodyPr>
+          <a:lstStyle/>
+          <a:p>
+            <a:r>
+              <a:rPr lang="pl-PL" dirty="0" err="1"/>
+              <a:t>d</a:t>
+            </a:r>
+            <a:r>
+              <a:rPr lang="pl-PL" dirty="0" err="1" smtClean="0"/>
+              <a:t>ropout</a:t>
+            </a:r>
+            <a:r>
+              <a:rPr lang="pl-PL" dirty="0" smtClean="0"/>
+              <a:t> 0.2 </a:t>
+            </a:r>
+            <a:r>
+              <a:rPr lang="pl-PL" dirty="0" err="1" smtClean="0"/>
+              <a:t>twice</a:t>
+            </a:r>
+            <a:endParaRPr lang="pl-PL" dirty="0"/>
+          </a:p>
+        </p:txBody>
+      </p:sp>
+      <p:sp>
+        <p:nvSpPr>
+          <p:cNvPr id="8" name="pole tekstowe 7"/>
+          <p:cNvSpPr txBox="1"/>
+          <p:nvPr/>
+        </p:nvSpPr>
+        <p:spPr>
+          <a:xfrm>
+            <a:off x="9298328" y="351719"/>
+            <a:ext cx="1852880" cy="369332"/>
+          </a:xfrm>
+          <a:prstGeom prst="rect">
+            <a:avLst/>
+          </a:prstGeom>
+          <a:noFill/>
+        </p:spPr>
+        <p:txBody>
+          <a:bodyPr wrap="none" rtlCol="0">
+            <a:spAutoFit/>
+          </a:bodyPr>
+          <a:lstStyle/>
+          <a:p>
+            <a:r>
+              <a:rPr lang="pl-PL" dirty="0" err="1"/>
+              <a:t>d</a:t>
+            </a:r>
+            <a:r>
+              <a:rPr lang="pl-PL" dirty="0" err="1" smtClean="0"/>
+              <a:t>ropout</a:t>
+            </a:r>
+            <a:r>
+              <a:rPr lang="pl-PL" dirty="0" smtClean="0"/>
+              <a:t> 0.4 </a:t>
+            </a:r>
+            <a:r>
+              <a:rPr lang="pl-PL" dirty="0" err="1" smtClean="0"/>
+              <a:t>twice</a:t>
+            </a:r>
+            <a:endParaRPr lang="pl-PL" dirty="0"/>
+          </a:p>
+        </p:txBody>
+      </p:sp>
+      <p:pic>
+        <p:nvPicPr>
+          <p:cNvPr id="7" name="Obraz 6"/>
+          <p:cNvPicPr>
+            <a:picLocks noChangeAspect="1"/>
+          </p:cNvPicPr>
+          <p:nvPr/>
+        </p:nvPicPr>
+        <p:blipFill>
+          <a:blip r:embed="rId3">
+            <a:extLst>
+              <a:ext uri="{28A0092B-C50C-407E-A947-70E740481C1C}">
+                <a14:useLocalDpi xmlns:a14="http://schemas.microsoft.com/office/drawing/2010/main" val="0"/>
+              </a:ext>
+            </a:extLst>
+          </a:blip>
+          <a:stretch>
+            <a:fillRect/>
+          </a:stretch>
+        </p:blipFill>
+        <p:spPr>
+          <a:xfrm>
+            <a:off x="0" y="1278194"/>
+            <a:ext cx="3960000" cy="3960000"/>
+          </a:xfrm>
+          <a:prstGeom prst="rect">
+            <a:avLst/>
+          </a:prstGeom>
+        </p:spPr>
+      </p:pic>
+      <p:pic>
+        <p:nvPicPr>
+          <p:cNvPr id="11" name="Obraz 10"/>
+          <p:cNvPicPr>
+            <a:picLocks noChangeAspect="1"/>
+          </p:cNvPicPr>
+          <p:nvPr/>
+        </p:nvPicPr>
+        <p:blipFill>
+          <a:blip r:embed="rId4">
+            <a:extLst>
+              <a:ext uri="{28A0092B-C50C-407E-A947-70E740481C1C}">
+                <a14:useLocalDpi xmlns:a14="http://schemas.microsoft.com/office/drawing/2010/main" val="0"/>
+              </a:ext>
+            </a:extLst>
+          </a:blip>
+          <a:stretch>
+            <a:fillRect/>
+          </a:stretch>
+        </p:blipFill>
+        <p:spPr>
+          <a:xfrm>
+            <a:off x="4284768" y="1278194"/>
+            <a:ext cx="3960000" cy="3960000"/>
+          </a:xfrm>
+          <a:prstGeom prst="rect">
+            <a:avLst/>
+          </a:prstGeom>
+        </p:spPr>
+      </p:pic>
+      <p:pic>
+        <p:nvPicPr>
+          <p:cNvPr id="12" name="Obraz 11"/>
+          <p:cNvPicPr>
+            <a:picLocks noChangeAspect="1"/>
+          </p:cNvPicPr>
+          <p:nvPr/>
+        </p:nvPicPr>
+        <p:blipFill>
+          <a:blip r:embed="rId5">
+            <a:extLst>
+              <a:ext uri="{28A0092B-C50C-407E-A947-70E740481C1C}">
+                <a14:useLocalDpi xmlns:a14="http://schemas.microsoft.com/office/drawing/2010/main" val="0"/>
+              </a:ext>
+            </a:extLst>
+          </a:blip>
+          <a:stretch>
+            <a:fillRect/>
+          </a:stretch>
+        </p:blipFill>
+        <p:spPr>
+          <a:xfrm>
+            <a:off x="8244768" y="1278194"/>
+            <a:ext cx="3960000" cy="3960000"/>
+          </a:xfrm>
+          <a:prstGeom prst="rect">
+            <a:avLst/>
+          </a:prstGeom>
+        </p:spPr>
+      </p:pic>
+    </p:spTree>
+    <p:extLst>
+      <p:ext uri="{BB962C8B-B14F-4D97-AF65-F5344CB8AC3E}">
+        <p14:creationId xmlns:p14="http://schemas.microsoft.com/office/powerpoint/2010/main" val="905265963"/>
+      </p:ext>
+    </p:extLst>
+  </p:cSld>
+  <p:clrMapOvr>
+    <a:masterClrMapping/>
+  </p:clrMapOvr>
+</p:sld>
+</file>
+
+<file path=ppt/slides/slide29.xml><?xml version="1.0" encoding="utf-8"?>
+<p:sld xmlns:a="http://schemas.openxmlformats.org/drawingml/2006/main" xmlns:r="http://schemas.openxmlformats.org/officeDocument/2006/relationships" xmlns:p="http://schemas.openxmlformats.org/presentationml/2006/main">
+  <p:cSld>
+    <p:spTree>
+      <p:nvGrpSpPr>
+        <p:cNvPr id="1" name=""/>
+        <p:cNvGrpSpPr/>
+        <p:nvPr/>
+      </p:nvGrpSpPr>
+      <p:grpSpPr>
+        <a:xfrm>
+          <a:off x="0" y="0"/>
+          <a:ext cx="0" cy="0"/>
+          <a:chOff x="0" y="0"/>
+          <a:chExt cx="0" cy="0"/>
+        </a:xfrm>
+      </p:grpSpPr>
+      <p:sp>
+        <p:nvSpPr>
+          <p:cNvPr id="2" name="Tytuł 1"/>
+          <p:cNvSpPr>
+            <a:spLocks noGrp="1"/>
+          </p:cNvSpPr>
+          <p:nvPr>
+            <p:ph type="title"/>
+          </p:nvPr>
+        </p:nvSpPr>
+        <p:spPr/>
+        <p:txBody>
+          <a:bodyPr/>
+          <a:lstStyle/>
+          <a:p>
+            <a:r>
+              <a:rPr lang="pl-PL" dirty="0" err="1" smtClean="0"/>
+              <a:t>Other</a:t>
+            </a:r>
+            <a:r>
+              <a:rPr lang="pl-PL" dirty="0" smtClean="0"/>
+              <a:t> </a:t>
+            </a:r>
+            <a:r>
+              <a:rPr lang="pl-PL" dirty="0" err="1" smtClean="0"/>
+              <a:t>experiments</a:t>
+            </a:r>
+            <a:endParaRPr lang="pl-PL" dirty="0"/>
+          </a:p>
+        </p:txBody>
+      </p:sp>
+      <p:sp>
+        <p:nvSpPr>
+          <p:cNvPr id="3" name="Symbol zastępczy zawartości 2"/>
+          <p:cNvSpPr>
+            <a:spLocks noGrp="1"/>
+          </p:cNvSpPr>
+          <p:nvPr>
+            <p:ph idx="1"/>
+          </p:nvPr>
+        </p:nvSpPr>
+        <p:spPr>
+          <a:xfrm>
+            <a:off x="1097280" y="1771228"/>
+            <a:ext cx="10058400" cy="4023360"/>
+          </a:xfrm>
+        </p:spPr>
+        <p:txBody>
+          <a:bodyPr>
+            <a:normAutofit/>
+          </a:bodyPr>
+          <a:lstStyle/>
+          <a:p>
+            <a:pPr>
+              <a:buFont typeface="Wingdings" panose="05000000000000000000" pitchFamily="2" charset="2"/>
+              <a:buChar char="v"/>
+            </a:pPr>
+            <a:r>
+              <a:rPr lang="pl-PL" dirty="0"/>
+              <a:t> </a:t>
+            </a:r>
+            <a:r>
+              <a:rPr lang="pl-PL" dirty="0" smtClean="0"/>
+              <a:t>We </a:t>
+            </a:r>
+            <a:r>
+              <a:rPr lang="pl-PL" dirty="0" err="1" smtClean="0"/>
+              <a:t>experimented</a:t>
+            </a:r>
+            <a:r>
+              <a:rPr lang="pl-PL" dirty="0" smtClean="0"/>
+              <a:t> with </a:t>
+            </a:r>
+            <a:r>
+              <a:rPr lang="pl-PL" dirty="0" err="1" smtClean="0"/>
+              <a:t>many</a:t>
+            </a:r>
+            <a:r>
+              <a:rPr lang="pl-PL" dirty="0" smtClean="0"/>
+              <a:t> </a:t>
+            </a:r>
+            <a:r>
+              <a:rPr lang="pl-PL" dirty="0" err="1" smtClean="0"/>
+              <a:t>different</a:t>
+            </a:r>
+            <a:r>
+              <a:rPr lang="pl-PL" dirty="0" smtClean="0"/>
+              <a:t> </a:t>
+            </a:r>
+            <a:r>
+              <a:rPr lang="pl-PL" dirty="0" err="1" smtClean="0"/>
+              <a:t>layer</a:t>
+            </a:r>
+            <a:r>
+              <a:rPr lang="pl-PL" dirty="0" smtClean="0"/>
+              <a:t> </a:t>
+            </a:r>
+            <a:r>
+              <a:rPr lang="pl-PL" dirty="0" err="1" smtClean="0"/>
+              <a:t>combinations</a:t>
+            </a:r>
+            <a:r>
+              <a:rPr lang="pl-PL" dirty="0" smtClean="0"/>
+              <a:t> and </a:t>
+            </a:r>
+            <a:r>
+              <a:rPr lang="pl-PL" dirty="0" err="1" smtClean="0"/>
+              <a:t>even</a:t>
+            </a:r>
+            <a:r>
+              <a:rPr lang="pl-PL" dirty="0" smtClean="0"/>
+              <a:t> </a:t>
+            </a:r>
+            <a:r>
+              <a:rPr lang="pl-PL" dirty="0" err="1" smtClean="0"/>
+              <a:t>some</a:t>
+            </a:r>
+            <a:r>
+              <a:rPr lang="pl-PL" dirty="0" smtClean="0"/>
+              <a:t> </a:t>
+            </a:r>
+            <a:r>
+              <a:rPr lang="pl-PL" dirty="0" err="1" smtClean="0"/>
+              <a:t>pretrained</a:t>
+            </a:r>
+            <a:r>
+              <a:rPr lang="pl-PL" dirty="0" smtClean="0"/>
+              <a:t> </a:t>
+            </a:r>
+            <a:r>
+              <a:rPr lang="pl-PL" dirty="0" err="1" smtClean="0"/>
+              <a:t>models</a:t>
+            </a:r>
+            <a:endParaRPr lang="pl-PL" dirty="0" smtClean="0"/>
+          </a:p>
+          <a:p>
+            <a:pPr>
+              <a:buFont typeface="Wingdings" panose="05000000000000000000" pitchFamily="2" charset="2"/>
+              <a:buChar char="v"/>
+            </a:pPr>
+            <a:r>
+              <a:rPr lang="pl-PL" dirty="0"/>
+              <a:t> </a:t>
+            </a:r>
+            <a:r>
+              <a:rPr lang="pl-PL" dirty="0" err="1" smtClean="0"/>
+              <a:t>All</a:t>
+            </a:r>
+            <a:r>
+              <a:rPr lang="pl-PL" dirty="0" smtClean="0"/>
+              <a:t> </a:t>
+            </a:r>
+            <a:r>
+              <a:rPr lang="pl-PL" dirty="0" err="1" smtClean="0"/>
+              <a:t>experiments</a:t>
+            </a:r>
+            <a:r>
+              <a:rPr lang="pl-PL" dirty="0" smtClean="0"/>
+              <a:t> </a:t>
+            </a:r>
+            <a:r>
+              <a:rPr lang="pl-PL" dirty="0" err="1" smtClean="0"/>
+              <a:t>are</a:t>
+            </a:r>
+            <a:r>
+              <a:rPr lang="pl-PL" dirty="0" smtClean="0"/>
+              <a:t> </a:t>
+            </a:r>
+            <a:r>
+              <a:rPr lang="pl-PL" dirty="0" err="1" smtClean="0"/>
+              <a:t>compared</a:t>
+            </a:r>
+            <a:r>
+              <a:rPr lang="pl-PL" dirty="0" smtClean="0"/>
+              <a:t> with the ’</a:t>
+            </a:r>
+            <a:r>
+              <a:rPr lang="pl-PL" dirty="0" err="1" smtClean="0"/>
+              <a:t>final</a:t>
+            </a:r>
+            <a:r>
+              <a:rPr lang="pl-PL" dirty="0" smtClean="0"/>
+              <a:t> model’ </a:t>
+            </a:r>
+            <a:r>
+              <a:rPr lang="pl-PL" dirty="0" err="1" smtClean="0"/>
+              <a:t>described</a:t>
+            </a:r>
+            <a:r>
+              <a:rPr lang="pl-PL" dirty="0" smtClean="0"/>
+              <a:t> </a:t>
+            </a:r>
+            <a:r>
+              <a:rPr lang="pl-PL" dirty="0" err="1" smtClean="0"/>
+              <a:t>previously</a:t>
+            </a:r>
+            <a:endParaRPr lang="pl-PL" dirty="0" smtClean="0"/>
+          </a:p>
+          <a:p>
+            <a:pPr>
+              <a:buFont typeface="Wingdings" panose="05000000000000000000" pitchFamily="2" charset="2"/>
+              <a:buChar char="v"/>
+            </a:pPr>
+            <a:r>
+              <a:rPr lang="pl-PL" dirty="0"/>
+              <a:t> </a:t>
+            </a:r>
+            <a:r>
+              <a:rPr lang="pl-PL" dirty="0" err="1" smtClean="0"/>
+              <a:t>Two</a:t>
+            </a:r>
+            <a:r>
+              <a:rPr lang="pl-PL" dirty="0" smtClean="0"/>
+              <a:t> most </a:t>
+            </a:r>
+            <a:r>
+              <a:rPr lang="pl-PL" dirty="0" err="1" smtClean="0"/>
+              <a:t>relevant</a:t>
+            </a:r>
+            <a:r>
+              <a:rPr lang="pl-PL" dirty="0" smtClean="0"/>
+              <a:t> </a:t>
+            </a:r>
+            <a:r>
+              <a:rPr lang="pl-PL" dirty="0" err="1" smtClean="0"/>
+              <a:t>attempts</a:t>
+            </a:r>
+            <a:r>
+              <a:rPr lang="pl-PL" dirty="0" smtClean="0"/>
+              <a:t>: </a:t>
+            </a:r>
+            <a:r>
+              <a:rPr lang="pl-PL" dirty="0" err="1" smtClean="0"/>
+              <a:t>modifying</a:t>
+            </a:r>
+            <a:r>
+              <a:rPr lang="pl-PL" dirty="0" smtClean="0"/>
+              <a:t> the </a:t>
+            </a:r>
+            <a:r>
+              <a:rPr lang="pl-PL" dirty="0" err="1" smtClean="0"/>
+              <a:t>sequence</a:t>
+            </a:r>
+            <a:r>
+              <a:rPr lang="pl-PL" dirty="0" smtClean="0"/>
+              <a:t> (</a:t>
+            </a:r>
+            <a:r>
+              <a:rPr lang="pl-PL" dirty="0" err="1" smtClean="0"/>
+              <a:t>using</a:t>
+            </a:r>
+            <a:r>
+              <a:rPr lang="pl-PL" dirty="0" smtClean="0"/>
+              <a:t> the same </a:t>
+            </a:r>
+            <a:r>
+              <a:rPr lang="pl-PL" dirty="0" err="1" smtClean="0"/>
+              <a:t>layers</a:t>
+            </a:r>
+            <a:r>
+              <a:rPr lang="pl-PL" dirty="0" smtClean="0"/>
+              <a:t> but in </a:t>
+            </a:r>
+            <a:r>
+              <a:rPr lang="pl-PL" dirty="0" err="1" smtClean="0"/>
+              <a:t>different</a:t>
+            </a:r>
+            <a:r>
+              <a:rPr lang="pl-PL" dirty="0" smtClean="0"/>
+              <a:t> order), </a:t>
+            </a:r>
+            <a:r>
+              <a:rPr lang="pl-PL" dirty="0" err="1" smtClean="0"/>
+              <a:t>adding</a:t>
+            </a:r>
+            <a:r>
+              <a:rPr lang="pl-PL" dirty="0" smtClean="0"/>
+              <a:t> </a:t>
+            </a:r>
+            <a:r>
+              <a:rPr lang="pl-PL" dirty="0" err="1" smtClean="0"/>
+              <a:t>significantly</a:t>
+            </a:r>
+            <a:r>
+              <a:rPr lang="pl-PL" dirty="0" smtClean="0"/>
+              <a:t> </a:t>
+            </a:r>
+            <a:r>
+              <a:rPr lang="pl-PL" dirty="0" err="1" smtClean="0"/>
+              <a:t>more</a:t>
+            </a:r>
+            <a:r>
+              <a:rPr lang="pl-PL" dirty="0" smtClean="0"/>
+              <a:t> </a:t>
+            </a:r>
+            <a:r>
+              <a:rPr lang="pl-PL" dirty="0" err="1" smtClean="0"/>
+              <a:t>layers</a:t>
+            </a:r>
+            <a:endParaRPr lang="pl-PL" dirty="0"/>
+          </a:p>
+        </p:txBody>
+      </p:sp>
+    </p:spTree>
+    <p:extLst>
+      <p:ext uri="{BB962C8B-B14F-4D97-AF65-F5344CB8AC3E}">
+        <p14:creationId xmlns:p14="http://schemas.microsoft.com/office/powerpoint/2010/main" val="1253480727"/>
       </p:ext>
     </p:extLst>
   </p:cSld>
@@ -12163,589 +11759,6 @@
         </p:nvSpPr>
         <p:spPr>
           <a:xfrm>
-            <a:off x="905347" y="351719"/>
-            <a:ext cx="2149306" cy="369332"/>
-          </a:xfrm>
-          <a:prstGeom prst="rect">
-            <a:avLst/>
-          </a:prstGeom>
-          <a:noFill/>
-        </p:spPr>
-        <p:txBody>
-          <a:bodyPr wrap="none" rtlCol="0">
-            <a:spAutoFit/>
-          </a:bodyPr>
-          <a:lstStyle/>
-          <a:p>
-            <a:r>
-              <a:rPr lang="pl-PL" dirty="0" err="1"/>
-              <a:t>d</a:t>
-            </a:r>
-            <a:r>
-              <a:rPr lang="pl-PL" dirty="0" err="1" smtClean="0"/>
-              <a:t>efault</a:t>
-            </a:r>
-            <a:r>
-              <a:rPr lang="pl-PL" dirty="0" smtClean="0"/>
-              <a:t> (</a:t>
-            </a:r>
-            <a:r>
-              <a:rPr lang="pl-PL" dirty="0" err="1" smtClean="0"/>
-              <a:t>dropout</a:t>
-            </a:r>
-            <a:r>
-              <a:rPr lang="pl-PL" dirty="0" smtClean="0"/>
-              <a:t> 0.2)</a:t>
-            </a:r>
-            <a:endParaRPr lang="pl-PL" dirty="0"/>
-          </a:p>
-        </p:txBody>
-      </p:sp>
-      <p:sp>
-        <p:nvSpPr>
-          <p:cNvPr id="6" name="pole tekstowe 5"/>
-          <p:cNvSpPr txBox="1"/>
-          <p:nvPr/>
-        </p:nvSpPr>
-        <p:spPr>
-          <a:xfrm>
-            <a:off x="5338328" y="351719"/>
-            <a:ext cx="1852880" cy="369332"/>
-          </a:xfrm>
-          <a:prstGeom prst="rect">
-            <a:avLst/>
-          </a:prstGeom>
-          <a:noFill/>
-        </p:spPr>
-        <p:txBody>
-          <a:bodyPr wrap="none" rtlCol="0">
-            <a:spAutoFit/>
-          </a:bodyPr>
-          <a:lstStyle/>
-          <a:p>
-            <a:r>
-              <a:rPr lang="pl-PL" dirty="0" err="1"/>
-              <a:t>d</a:t>
-            </a:r>
-            <a:r>
-              <a:rPr lang="pl-PL" dirty="0" err="1" smtClean="0"/>
-              <a:t>ropout</a:t>
-            </a:r>
-            <a:r>
-              <a:rPr lang="pl-PL" dirty="0" smtClean="0"/>
-              <a:t> 0.2 </a:t>
-            </a:r>
-            <a:r>
-              <a:rPr lang="pl-PL" dirty="0" err="1" smtClean="0"/>
-              <a:t>twice</a:t>
-            </a:r>
-            <a:endParaRPr lang="pl-PL" dirty="0"/>
-          </a:p>
-        </p:txBody>
-      </p:sp>
-      <p:sp>
-        <p:nvSpPr>
-          <p:cNvPr id="8" name="pole tekstowe 7"/>
-          <p:cNvSpPr txBox="1"/>
-          <p:nvPr/>
-        </p:nvSpPr>
-        <p:spPr>
-          <a:xfrm>
-            <a:off x="9298328" y="351719"/>
-            <a:ext cx="1852880" cy="369332"/>
-          </a:xfrm>
-          <a:prstGeom prst="rect">
-            <a:avLst/>
-          </a:prstGeom>
-          <a:noFill/>
-        </p:spPr>
-        <p:txBody>
-          <a:bodyPr wrap="none" rtlCol="0">
-            <a:spAutoFit/>
-          </a:bodyPr>
-          <a:lstStyle/>
-          <a:p>
-            <a:r>
-              <a:rPr lang="pl-PL" dirty="0" err="1"/>
-              <a:t>d</a:t>
-            </a:r>
-            <a:r>
-              <a:rPr lang="pl-PL" dirty="0" err="1" smtClean="0"/>
-              <a:t>ropout</a:t>
-            </a:r>
-            <a:r>
-              <a:rPr lang="pl-PL" dirty="0" smtClean="0"/>
-              <a:t> 0.4 </a:t>
-            </a:r>
-            <a:r>
-              <a:rPr lang="pl-PL" dirty="0" err="1" smtClean="0"/>
-              <a:t>twice</a:t>
-            </a:r>
-            <a:endParaRPr lang="pl-PL" dirty="0"/>
-          </a:p>
-        </p:txBody>
-      </p:sp>
-      <p:pic>
-        <p:nvPicPr>
-          <p:cNvPr id="7" name="Obraz 6"/>
-          <p:cNvPicPr>
-            <a:picLocks noChangeAspect="1"/>
-          </p:cNvPicPr>
-          <p:nvPr/>
-        </p:nvPicPr>
-        <p:blipFill>
-          <a:blip r:embed="rId3">
-            <a:extLst>
-              <a:ext uri="{28A0092B-C50C-407E-A947-70E740481C1C}">
-                <a14:useLocalDpi xmlns:a14="http://schemas.microsoft.com/office/drawing/2010/main" val="0"/>
-              </a:ext>
-            </a:extLst>
-          </a:blip>
-          <a:stretch>
-            <a:fillRect/>
-          </a:stretch>
-        </p:blipFill>
-        <p:spPr>
-          <a:xfrm>
-            <a:off x="0" y="1278194"/>
-            <a:ext cx="3960000" cy="3960000"/>
-          </a:xfrm>
-          <a:prstGeom prst="rect">
-            <a:avLst/>
-          </a:prstGeom>
-        </p:spPr>
-      </p:pic>
-      <p:pic>
-        <p:nvPicPr>
-          <p:cNvPr id="11" name="Obraz 10"/>
-          <p:cNvPicPr>
-            <a:picLocks noChangeAspect="1"/>
-          </p:cNvPicPr>
-          <p:nvPr/>
-        </p:nvPicPr>
-        <p:blipFill>
-          <a:blip r:embed="rId4">
-            <a:extLst>
-              <a:ext uri="{28A0092B-C50C-407E-A947-70E740481C1C}">
-                <a14:useLocalDpi xmlns:a14="http://schemas.microsoft.com/office/drawing/2010/main" val="0"/>
-              </a:ext>
-            </a:extLst>
-          </a:blip>
-          <a:stretch>
-            <a:fillRect/>
-          </a:stretch>
-        </p:blipFill>
-        <p:spPr>
-          <a:xfrm>
-            <a:off x="4284768" y="1278194"/>
-            <a:ext cx="3960000" cy="3960000"/>
-          </a:xfrm>
-          <a:prstGeom prst="rect">
-            <a:avLst/>
-          </a:prstGeom>
-        </p:spPr>
-      </p:pic>
-      <p:pic>
-        <p:nvPicPr>
-          <p:cNvPr id="12" name="Obraz 11"/>
-          <p:cNvPicPr>
-            <a:picLocks noChangeAspect="1"/>
-          </p:cNvPicPr>
-          <p:nvPr/>
-        </p:nvPicPr>
-        <p:blipFill>
-          <a:blip r:embed="rId5">
-            <a:extLst>
-              <a:ext uri="{28A0092B-C50C-407E-A947-70E740481C1C}">
-                <a14:useLocalDpi xmlns:a14="http://schemas.microsoft.com/office/drawing/2010/main" val="0"/>
-              </a:ext>
-            </a:extLst>
-          </a:blip>
-          <a:stretch>
-            <a:fillRect/>
-          </a:stretch>
-        </p:blipFill>
-        <p:spPr>
-          <a:xfrm>
-            <a:off x="8244768" y="1278194"/>
-            <a:ext cx="3960000" cy="3960000"/>
-          </a:xfrm>
-          <a:prstGeom prst="rect">
-            <a:avLst/>
-          </a:prstGeom>
-        </p:spPr>
-      </p:pic>
-    </p:spTree>
-    <p:extLst>
-      <p:ext uri="{BB962C8B-B14F-4D97-AF65-F5344CB8AC3E}">
-        <p14:creationId xmlns:p14="http://schemas.microsoft.com/office/powerpoint/2010/main" val="905265963"/>
-      </p:ext>
-    </p:extLst>
-  </p:cSld>
-  <p:clrMapOvr>
-    <a:masterClrMapping/>
-  </p:clrMapOvr>
-</p:sld>
-</file>
-
-<file path=ppt/slides/slide31.xml><?xml version="1.0" encoding="utf-8"?>
-<p:sld xmlns:a="http://schemas.openxmlformats.org/drawingml/2006/main" xmlns:r="http://schemas.openxmlformats.org/officeDocument/2006/relationships" xmlns:p="http://schemas.openxmlformats.org/presentationml/2006/main">
-  <p:cSld>
-    <p:spTree>
-      <p:nvGrpSpPr>
-        <p:cNvPr id="1" name=""/>
-        <p:cNvGrpSpPr/>
-        <p:nvPr/>
-      </p:nvGrpSpPr>
-      <p:grpSpPr>
-        <a:xfrm>
-          <a:off x="0" y="0"/>
-          <a:ext cx="0" cy="0"/>
-          <a:chOff x="0" y="0"/>
-          <a:chExt cx="0" cy="0"/>
-        </a:xfrm>
-      </p:grpSpPr>
-      <p:sp>
-        <p:nvSpPr>
-          <p:cNvPr id="2" name="Tytuł 1"/>
-          <p:cNvSpPr>
-            <a:spLocks noGrp="1"/>
-          </p:cNvSpPr>
-          <p:nvPr>
-            <p:ph type="title"/>
-          </p:nvPr>
-        </p:nvSpPr>
-        <p:spPr/>
-        <p:txBody>
-          <a:bodyPr/>
-          <a:lstStyle/>
-          <a:p>
-            <a:r>
-              <a:rPr lang="pl-PL" dirty="0" err="1" smtClean="0"/>
-              <a:t>Other</a:t>
-            </a:r>
-            <a:r>
-              <a:rPr lang="pl-PL" dirty="0" smtClean="0"/>
-              <a:t> </a:t>
-            </a:r>
-            <a:r>
-              <a:rPr lang="pl-PL" dirty="0" err="1" smtClean="0"/>
-              <a:t>experiments</a:t>
-            </a:r>
-            <a:endParaRPr lang="pl-PL" dirty="0"/>
-          </a:p>
-        </p:txBody>
-      </p:sp>
-      <p:sp>
-        <p:nvSpPr>
-          <p:cNvPr id="3" name="Symbol zastępczy zawartości 2"/>
-          <p:cNvSpPr>
-            <a:spLocks noGrp="1"/>
-          </p:cNvSpPr>
-          <p:nvPr>
-            <p:ph idx="1"/>
-          </p:nvPr>
-        </p:nvSpPr>
-        <p:spPr>
-          <a:xfrm>
-            <a:off x="1097280" y="1771228"/>
-            <a:ext cx="10058400" cy="4023360"/>
-          </a:xfrm>
-        </p:spPr>
-        <p:txBody>
-          <a:bodyPr>
-            <a:normAutofit/>
-          </a:bodyPr>
-          <a:lstStyle/>
-          <a:p>
-            <a:pPr>
-              <a:buFont typeface="Wingdings" panose="05000000000000000000" pitchFamily="2" charset="2"/>
-              <a:buChar char="v"/>
-            </a:pPr>
-            <a:r>
-              <a:rPr lang="pl-PL" dirty="0"/>
-              <a:t> </a:t>
-            </a:r>
-            <a:r>
-              <a:rPr lang="pl-PL" dirty="0" smtClean="0"/>
-              <a:t>We </a:t>
-            </a:r>
-            <a:r>
-              <a:rPr lang="pl-PL" dirty="0" err="1" smtClean="0"/>
-              <a:t>experimented</a:t>
-            </a:r>
-            <a:r>
-              <a:rPr lang="pl-PL" dirty="0" smtClean="0"/>
-              <a:t> with </a:t>
-            </a:r>
-            <a:r>
-              <a:rPr lang="pl-PL" dirty="0" err="1" smtClean="0"/>
-              <a:t>many</a:t>
-            </a:r>
-            <a:r>
-              <a:rPr lang="pl-PL" dirty="0" smtClean="0"/>
-              <a:t> </a:t>
-            </a:r>
-            <a:r>
-              <a:rPr lang="pl-PL" dirty="0" err="1" smtClean="0"/>
-              <a:t>different</a:t>
-            </a:r>
-            <a:r>
-              <a:rPr lang="pl-PL" dirty="0" smtClean="0"/>
-              <a:t> </a:t>
-            </a:r>
-            <a:r>
-              <a:rPr lang="pl-PL" dirty="0" err="1" smtClean="0"/>
-              <a:t>layer</a:t>
-            </a:r>
-            <a:r>
-              <a:rPr lang="pl-PL" dirty="0" smtClean="0"/>
-              <a:t> </a:t>
-            </a:r>
-            <a:r>
-              <a:rPr lang="pl-PL" dirty="0" err="1" smtClean="0"/>
-              <a:t>combinations</a:t>
-            </a:r>
-            <a:r>
-              <a:rPr lang="pl-PL" dirty="0" smtClean="0"/>
-              <a:t> and </a:t>
-            </a:r>
-            <a:r>
-              <a:rPr lang="pl-PL" dirty="0" err="1" smtClean="0"/>
-              <a:t>even</a:t>
-            </a:r>
-            <a:r>
-              <a:rPr lang="pl-PL" dirty="0" smtClean="0"/>
-              <a:t> </a:t>
-            </a:r>
-            <a:r>
-              <a:rPr lang="pl-PL" dirty="0" err="1" smtClean="0"/>
-              <a:t>some</a:t>
-            </a:r>
-            <a:r>
-              <a:rPr lang="pl-PL" dirty="0" smtClean="0"/>
-              <a:t> </a:t>
-            </a:r>
-            <a:r>
-              <a:rPr lang="pl-PL" dirty="0" err="1" smtClean="0"/>
-              <a:t>pretrained</a:t>
-            </a:r>
-            <a:r>
-              <a:rPr lang="pl-PL" dirty="0" smtClean="0"/>
-              <a:t> </a:t>
-            </a:r>
-            <a:r>
-              <a:rPr lang="pl-PL" dirty="0" err="1" smtClean="0"/>
-              <a:t>models</a:t>
-            </a:r>
-            <a:endParaRPr lang="pl-PL" dirty="0" smtClean="0"/>
-          </a:p>
-          <a:p>
-            <a:pPr>
-              <a:buFont typeface="Wingdings" panose="05000000000000000000" pitchFamily="2" charset="2"/>
-              <a:buChar char="v"/>
-            </a:pPr>
-            <a:r>
-              <a:rPr lang="pl-PL" dirty="0"/>
-              <a:t> </a:t>
-            </a:r>
-            <a:r>
-              <a:rPr lang="pl-PL" dirty="0" err="1" smtClean="0"/>
-              <a:t>All</a:t>
-            </a:r>
-            <a:r>
-              <a:rPr lang="pl-PL" dirty="0" smtClean="0"/>
-              <a:t> </a:t>
-            </a:r>
-            <a:r>
-              <a:rPr lang="pl-PL" dirty="0" err="1" smtClean="0"/>
-              <a:t>experiments</a:t>
-            </a:r>
-            <a:r>
-              <a:rPr lang="pl-PL" dirty="0" smtClean="0"/>
-              <a:t> </a:t>
-            </a:r>
-            <a:r>
-              <a:rPr lang="pl-PL" dirty="0" err="1" smtClean="0"/>
-              <a:t>are</a:t>
-            </a:r>
-            <a:r>
-              <a:rPr lang="pl-PL" dirty="0" smtClean="0"/>
-              <a:t> </a:t>
-            </a:r>
-            <a:r>
-              <a:rPr lang="pl-PL" dirty="0" err="1" smtClean="0"/>
-              <a:t>compared</a:t>
-            </a:r>
-            <a:r>
-              <a:rPr lang="pl-PL" dirty="0" smtClean="0"/>
-              <a:t> with the ’</a:t>
-            </a:r>
-            <a:r>
-              <a:rPr lang="pl-PL" dirty="0" err="1" smtClean="0"/>
-              <a:t>final</a:t>
-            </a:r>
-            <a:r>
-              <a:rPr lang="pl-PL" dirty="0" smtClean="0"/>
-              <a:t> model’ </a:t>
-            </a:r>
-            <a:r>
-              <a:rPr lang="pl-PL" dirty="0" err="1" smtClean="0"/>
-              <a:t>described</a:t>
-            </a:r>
-            <a:r>
-              <a:rPr lang="pl-PL" dirty="0" smtClean="0"/>
-              <a:t> </a:t>
-            </a:r>
-            <a:r>
-              <a:rPr lang="pl-PL" dirty="0" err="1" smtClean="0"/>
-              <a:t>previously</a:t>
-            </a:r>
-            <a:endParaRPr lang="pl-PL" dirty="0" smtClean="0"/>
-          </a:p>
-          <a:p>
-            <a:pPr>
-              <a:buFont typeface="Wingdings" panose="05000000000000000000" pitchFamily="2" charset="2"/>
-              <a:buChar char="v"/>
-            </a:pPr>
-            <a:r>
-              <a:rPr lang="pl-PL" dirty="0"/>
-              <a:t> </a:t>
-            </a:r>
-            <a:r>
-              <a:rPr lang="pl-PL" dirty="0" err="1" smtClean="0"/>
-              <a:t>Two</a:t>
-            </a:r>
-            <a:r>
-              <a:rPr lang="pl-PL" dirty="0" smtClean="0"/>
-              <a:t> most </a:t>
-            </a:r>
-            <a:r>
-              <a:rPr lang="pl-PL" dirty="0" err="1" smtClean="0"/>
-              <a:t>relevant</a:t>
-            </a:r>
-            <a:r>
-              <a:rPr lang="pl-PL" dirty="0" smtClean="0"/>
-              <a:t> </a:t>
-            </a:r>
-            <a:r>
-              <a:rPr lang="pl-PL" dirty="0" err="1" smtClean="0"/>
-              <a:t>attempts</a:t>
-            </a:r>
-            <a:r>
-              <a:rPr lang="pl-PL" dirty="0" smtClean="0"/>
-              <a:t>: </a:t>
-            </a:r>
-            <a:r>
-              <a:rPr lang="pl-PL" dirty="0" err="1" smtClean="0"/>
-              <a:t>modifying</a:t>
-            </a:r>
-            <a:r>
-              <a:rPr lang="pl-PL" dirty="0" smtClean="0"/>
-              <a:t> the </a:t>
-            </a:r>
-            <a:r>
-              <a:rPr lang="pl-PL" dirty="0" err="1" smtClean="0"/>
-              <a:t>sequence</a:t>
-            </a:r>
-            <a:r>
-              <a:rPr lang="pl-PL" dirty="0" smtClean="0"/>
-              <a:t> (</a:t>
-            </a:r>
-            <a:r>
-              <a:rPr lang="pl-PL" dirty="0" err="1" smtClean="0"/>
-              <a:t>using</a:t>
-            </a:r>
-            <a:r>
-              <a:rPr lang="pl-PL" dirty="0" smtClean="0"/>
-              <a:t> the same </a:t>
-            </a:r>
-            <a:r>
-              <a:rPr lang="pl-PL" dirty="0" err="1" smtClean="0"/>
-              <a:t>layers</a:t>
-            </a:r>
-            <a:r>
-              <a:rPr lang="pl-PL" dirty="0" smtClean="0"/>
-              <a:t> but in </a:t>
-            </a:r>
-            <a:r>
-              <a:rPr lang="pl-PL" dirty="0" err="1" smtClean="0"/>
-              <a:t>different</a:t>
-            </a:r>
-            <a:r>
-              <a:rPr lang="pl-PL" dirty="0" smtClean="0"/>
-              <a:t> order), </a:t>
-            </a:r>
-            <a:r>
-              <a:rPr lang="pl-PL" dirty="0" err="1" smtClean="0"/>
-              <a:t>adding</a:t>
-            </a:r>
-            <a:r>
-              <a:rPr lang="pl-PL" dirty="0" smtClean="0"/>
-              <a:t> </a:t>
-            </a:r>
-            <a:r>
-              <a:rPr lang="pl-PL" dirty="0" err="1" smtClean="0"/>
-              <a:t>significantly</a:t>
-            </a:r>
-            <a:r>
-              <a:rPr lang="pl-PL" dirty="0" smtClean="0"/>
-              <a:t> </a:t>
-            </a:r>
-            <a:r>
-              <a:rPr lang="pl-PL" dirty="0" err="1" smtClean="0"/>
-              <a:t>more</a:t>
-            </a:r>
-            <a:r>
-              <a:rPr lang="pl-PL" dirty="0" smtClean="0"/>
-              <a:t> </a:t>
-            </a:r>
-            <a:r>
-              <a:rPr lang="pl-PL" dirty="0" err="1" smtClean="0"/>
-              <a:t>layers</a:t>
-            </a:r>
-            <a:endParaRPr lang="pl-PL" dirty="0"/>
-          </a:p>
-        </p:txBody>
-      </p:sp>
-    </p:spTree>
-    <p:extLst>
-      <p:ext uri="{BB962C8B-B14F-4D97-AF65-F5344CB8AC3E}">
-        <p14:creationId xmlns:p14="http://schemas.microsoft.com/office/powerpoint/2010/main" val="1253480727"/>
-      </p:ext>
-    </p:extLst>
-  </p:cSld>
-  <p:clrMapOvr>
-    <a:masterClrMapping/>
-  </p:clrMapOvr>
-</p:sld>
-</file>
-
-<file path=ppt/slides/slide32.xml><?xml version="1.0" encoding="utf-8"?>
-<p:sld xmlns:a="http://schemas.openxmlformats.org/drawingml/2006/main" xmlns:r="http://schemas.openxmlformats.org/officeDocument/2006/relationships" xmlns:p="http://schemas.openxmlformats.org/presentationml/2006/main">
-  <p:cSld>
-    <p:spTree>
-      <p:nvGrpSpPr>
-        <p:cNvPr id="1" name=""/>
-        <p:cNvGrpSpPr/>
-        <p:nvPr/>
-      </p:nvGrpSpPr>
-      <p:grpSpPr>
-        <a:xfrm>
-          <a:off x="0" y="0"/>
-          <a:ext cx="0" cy="0"/>
-          <a:chOff x="0" y="0"/>
-          <a:chExt cx="0" cy="0"/>
-        </a:xfrm>
-      </p:grpSpPr>
-      <p:sp>
-        <p:nvSpPr>
-          <p:cNvPr id="5" name="pole tekstowe 4"/>
-          <p:cNvSpPr txBox="1"/>
-          <p:nvPr/>
-        </p:nvSpPr>
-        <p:spPr>
-          <a:xfrm>
             <a:off x="2156687" y="518771"/>
             <a:ext cx="848181" cy="369332"/>
           </a:xfrm>
@@ -12883,7 +11896,7 @@
 </p:sld>
 </file>
 
-<file path=ppt/slides/slide33.xml><?xml version="1.0" encoding="utf-8"?>
+<file path=ppt/slides/slide31.xml><?xml version="1.0" encoding="utf-8"?>
 <p:sld xmlns:a="http://schemas.openxmlformats.org/drawingml/2006/main" xmlns:r="http://schemas.openxmlformats.org/officeDocument/2006/relationships" xmlns:p="http://schemas.openxmlformats.org/presentationml/2006/main">
   <p:cSld>
     <p:spTree>
@@ -13106,7 +12119,7 @@
 </p:sld>
 </file>
 
-<file path=ppt/slides/slide34.xml><?xml version="1.0" encoding="utf-8"?>
+<file path=ppt/slides/slide32.xml><?xml version="1.0" encoding="utf-8"?>
 <p:sld xmlns:a="http://schemas.openxmlformats.org/drawingml/2006/main" xmlns:r="http://schemas.openxmlformats.org/officeDocument/2006/relationships" xmlns:p="http://schemas.openxmlformats.org/presentationml/2006/main">
   <p:cSld>
     <p:spTree>
@@ -13430,7 +12443,7 @@
           <a:graphicData uri="http://schemas.openxmlformats.org/presentationml/2006/ole">
             <mc:AlternateContent xmlns:mc="http://schemas.openxmlformats.org/markup-compatibility/2006">
               <mc:Choice xmlns:v="urn:schemas-microsoft-com:vml" Requires="v">
-                <p:oleObj spid="_x0000_s13354" name="Dokument" r:id="rId4" imgW="6725880" imgH="961560" progId="Word.OpenDocumentText.12">
+                <p:oleObj spid="_x0000_s13355" name="Dokument" r:id="rId4" imgW="6725880" imgH="961560" progId="Word.OpenDocumentText.12">
                   <p:embed/>
                 </p:oleObj>
               </mc:Choice>
@@ -13478,7 +12491,7 @@
 </p:sld>
 </file>
 
-<file path=ppt/slides/slide35.xml><?xml version="1.0" encoding="utf-8"?>
+<file path=ppt/slides/slide33.xml><?xml version="1.0" encoding="utf-8"?>
 <p:sld xmlns:a="http://schemas.openxmlformats.org/drawingml/2006/main" xmlns:r="http://schemas.openxmlformats.org/officeDocument/2006/relationships" xmlns:p="http://schemas.openxmlformats.org/presentationml/2006/main">
   <p:cSld>
     <p:spTree>
@@ -13688,7 +12701,7 @@
 </p:sld>
 </file>
 
-<file path=ppt/slides/slide36.xml><?xml version="1.0" encoding="utf-8"?>
+<file path=ppt/slides/slide34.xml><?xml version="1.0" encoding="utf-8"?>
 <p:sld xmlns:a="http://schemas.openxmlformats.org/drawingml/2006/main" xmlns:r="http://schemas.openxmlformats.org/officeDocument/2006/relationships" xmlns:p="http://schemas.openxmlformats.org/presentationml/2006/main">
   <p:cSld>
     <p:spTree>
@@ -14128,7 +13141,7 @@
           <a:graphicData uri="http://schemas.openxmlformats.org/presentationml/2006/ole">
             <mc:AlternateContent xmlns:mc="http://schemas.openxmlformats.org/markup-compatibility/2006">
               <mc:Choice xmlns:v="urn:schemas-microsoft-com:vml" Requires="v">
-                <p:oleObj spid="_x0000_s14376" name="Dokument" r:id="rId4" imgW="3674880" imgH="1194840" progId="Word.OpenDocumentText.12">
+                <p:oleObj spid="_x0000_s14377" name="Dokument" r:id="rId4" imgW="3674880" imgH="1194840" progId="Word.OpenDocumentText.12">
                   <p:embed/>
                 </p:oleObj>
               </mc:Choice>
@@ -14176,7 +13189,7 @@
 </p:sld>
 </file>
 
-<file path=ppt/slides/slide37.xml><?xml version="1.0" encoding="utf-8"?>
+<file path=ppt/slides/slide35.xml><?xml version="1.0" encoding="utf-8"?>
 <p:sld xmlns:a="http://schemas.openxmlformats.org/drawingml/2006/main" xmlns:r="http://schemas.openxmlformats.org/officeDocument/2006/relationships" xmlns:p="http://schemas.openxmlformats.org/presentationml/2006/main">
   <p:cSld>
     <p:spTree>
@@ -14264,6 +13277,664 @@
 </p:sld>
 </file>
 
+<file path=ppt/slides/slide36.xml><?xml version="1.0" encoding="utf-8"?>
+<p:sld xmlns:a="http://schemas.openxmlformats.org/drawingml/2006/main" xmlns:r="http://schemas.openxmlformats.org/officeDocument/2006/relationships" xmlns:p="http://schemas.openxmlformats.org/presentationml/2006/main">
+  <p:cSld>
+    <p:spTree>
+      <p:nvGrpSpPr>
+        <p:cNvPr id="1" name=""/>
+        <p:cNvGrpSpPr/>
+        <p:nvPr/>
+      </p:nvGrpSpPr>
+      <p:grpSpPr>
+        <a:xfrm>
+          <a:off x="0" y="0"/>
+          <a:ext cx="0" cy="0"/>
+          <a:chOff x="0" y="0"/>
+          <a:chExt cx="0" cy="0"/>
+        </a:xfrm>
+      </p:grpSpPr>
+      <p:sp>
+        <p:nvSpPr>
+          <p:cNvPr id="2" name="Tytuł 1"/>
+          <p:cNvSpPr>
+            <a:spLocks noGrp="1"/>
+          </p:cNvSpPr>
+          <p:nvPr>
+            <p:ph type="title"/>
+          </p:nvPr>
+        </p:nvSpPr>
+        <p:spPr/>
+        <p:txBody>
+          <a:bodyPr/>
+          <a:lstStyle/>
+          <a:p>
+            <a:r>
+              <a:rPr lang="pl-PL" dirty="0" err="1" smtClean="0"/>
+              <a:t>Conclusions</a:t>
+            </a:r>
+            <a:endParaRPr lang="pl-PL" dirty="0"/>
+          </a:p>
+        </p:txBody>
+      </p:sp>
+      <p:sp>
+        <p:nvSpPr>
+          <p:cNvPr id="3" name="Symbol zastępczy zawartości 2"/>
+          <p:cNvSpPr>
+            <a:spLocks noGrp="1"/>
+          </p:cNvSpPr>
+          <p:nvPr>
+            <p:ph idx="1"/>
+          </p:nvPr>
+        </p:nvSpPr>
+        <p:spPr>
+          <a:xfrm>
+            <a:off x="1097280" y="1771228"/>
+            <a:ext cx="10058400" cy="4023360"/>
+          </a:xfrm>
+        </p:spPr>
+        <p:txBody>
+          <a:bodyPr>
+            <a:normAutofit/>
+          </a:bodyPr>
+          <a:lstStyle/>
+          <a:p>
+            <a:pPr>
+              <a:buFont typeface="Wingdings" panose="05000000000000000000" pitchFamily="2" charset="2"/>
+              <a:buChar char="v"/>
+            </a:pPr>
+            <a:r>
+              <a:rPr lang="pl-PL" dirty="0"/>
+              <a:t> </a:t>
+            </a:r>
+            <a:r>
+              <a:rPr lang="pl-PL" dirty="0" smtClean="0"/>
+              <a:t>The </a:t>
+            </a:r>
+            <a:r>
+              <a:rPr lang="pl-PL" dirty="0" err="1" smtClean="0"/>
+              <a:t>dataset</a:t>
+            </a:r>
+            <a:r>
+              <a:rPr lang="pl-PL" dirty="0" smtClean="0"/>
+              <a:t> we </a:t>
+            </a:r>
+            <a:r>
+              <a:rPr lang="pl-PL" dirty="0" err="1" smtClean="0"/>
+              <a:t>used</a:t>
+            </a:r>
+            <a:r>
+              <a:rPr lang="pl-PL" dirty="0" smtClean="0"/>
+              <a:t> was not big </a:t>
+            </a:r>
+            <a:r>
+              <a:rPr lang="pl-PL" dirty="0" err="1" smtClean="0"/>
+              <a:t>enough</a:t>
+            </a:r>
+            <a:r>
+              <a:rPr lang="pl-PL" dirty="0" smtClean="0"/>
+              <a:t> to </a:t>
+            </a:r>
+            <a:r>
+              <a:rPr lang="pl-PL" dirty="0" err="1" smtClean="0"/>
+              <a:t>fully</a:t>
+            </a:r>
+            <a:r>
+              <a:rPr lang="pl-PL" dirty="0" smtClean="0"/>
+              <a:t> </a:t>
+            </a:r>
+            <a:r>
+              <a:rPr lang="pl-PL" dirty="0" err="1" smtClean="0"/>
+              <a:t>prevent</a:t>
+            </a:r>
+            <a:r>
+              <a:rPr lang="pl-PL" dirty="0" smtClean="0"/>
+              <a:t> </a:t>
+            </a:r>
+            <a:r>
+              <a:rPr lang="pl-PL" dirty="0" err="1" smtClean="0"/>
+              <a:t>overfitting</a:t>
+            </a:r>
+            <a:r>
+              <a:rPr lang="pl-PL" dirty="0" smtClean="0"/>
+              <a:t>, and to </a:t>
+            </a:r>
+            <a:r>
+              <a:rPr lang="pl-PL" dirty="0" err="1" smtClean="0"/>
+              <a:t>keep</a:t>
+            </a:r>
+            <a:r>
+              <a:rPr lang="pl-PL" dirty="0" smtClean="0"/>
+              <a:t> </a:t>
+            </a:r>
+            <a:r>
+              <a:rPr lang="pl-PL" dirty="0" err="1" smtClean="0"/>
+              <a:t>training</a:t>
+            </a:r>
+            <a:r>
+              <a:rPr lang="pl-PL" dirty="0" smtClean="0"/>
+              <a:t> </a:t>
+            </a:r>
+            <a:r>
+              <a:rPr lang="pl-PL" dirty="0" err="1" smtClean="0"/>
+              <a:t>accuracy</a:t>
+            </a:r>
+            <a:r>
+              <a:rPr lang="pl-PL" dirty="0" smtClean="0"/>
+              <a:t> as </a:t>
+            </a:r>
+            <a:r>
+              <a:rPr lang="pl-PL" dirty="0" err="1" smtClean="0"/>
+              <a:t>close</a:t>
+            </a:r>
+            <a:r>
+              <a:rPr lang="pl-PL" dirty="0" smtClean="0"/>
+              <a:t> as </a:t>
+            </a:r>
+            <a:r>
+              <a:rPr lang="pl-PL" dirty="0" err="1" smtClean="0"/>
+              <a:t>possible</a:t>
+            </a:r>
+            <a:r>
+              <a:rPr lang="pl-PL" dirty="0" smtClean="0"/>
+              <a:t> to </a:t>
+            </a:r>
+            <a:r>
+              <a:rPr lang="pl-PL" dirty="0" err="1" smtClean="0"/>
+              <a:t>validation</a:t>
+            </a:r>
+            <a:r>
+              <a:rPr lang="pl-PL" dirty="0" smtClean="0"/>
+              <a:t> </a:t>
+            </a:r>
+            <a:r>
+              <a:rPr lang="pl-PL" dirty="0" err="1" smtClean="0"/>
+              <a:t>accuracy</a:t>
+            </a:r>
+            <a:endParaRPr lang="pl-PL" dirty="0" smtClean="0"/>
+          </a:p>
+          <a:p>
+            <a:pPr>
+              <a:buFont typeface="Wingdings" panose="05000000000000000000" pitchFamily="2" charset="2"/>
+              <a:buChar char="v"/>
+            </a:pPr>
+            <a:r>
+              <a:rPr lang="pl-PL" dirty="0"/>
+              <a:t> </a:t>
+            </a:r>
+            <a:r>
+              <a:rPr lang="pl-PL" dirty="0" smtClean="0"/>
+              <a:t>We </a:t>
+            </a:r>
+            <a:r>
+              <a:rPr lang="pl-PL" dirty="0" err="1" smtClean="0"/>
+              <a:t>had</a:t>
+            </a:r>
+            <a:r>
+              <a:rPr lang="pl-PL" dirty="0" smtClean="0"/>
+              <a:t> to </a:t>
+            </a:r>
+            <a:r>
+              <a:rPr lang="pl-PL" dirty="0" err="1" smtClean="0"/>
+              <a:t>settle</a:t>
+            </a:r>
+            <a:r>
+              <a:rPr lang="pl-PL" dirty="0" smtClean="0"/>
+              <a:t> for </a:t>
+            </a:r>
+            <a:r>
+              <a:rPr lang="pl-PL" dirty="0" err="1" smtClean="0"/>
+              <a:t>some</a:t>
+            </a:r>
+            <a:r>
+              <a:rPr lang="pl-PL" dirty="0" smtClean="0"/>
+              <a:t> </a:t>
+            </a:r>
+            <a:r>
+              <a:rPr lang="pl-PL" dirty="0" err="1" smtClean="0"/>
+              <a:t>unoptimized</a:t>
+            </a:r>
+            <a:r>
+              <a:rPr lang="pl-PL" dirty="0" smtClean="0"/>
+              <a:t> </a:t>
+            </a:r>
+            <a:r>
+              <a:rPr lang="pl-PL" dirty="0" err="1" smtClean="0"/>
+              <a:t>parameters</a:t>
+            </a:r>
+            <a:r>
+              <a:rPr lang="pl-PL" dirty="0" smtClean="0"/>
+              <a:t> (</a:t>
+            </a:r>
+            <a:r>
+              <a:rPr lang="pl-PL" dirty="0" err="1" smtClean="0"/>
+              <a:t>eg</a:t>
+            </a:r>
+            <a:r>
+              <a:rPr lang="pl-PL" dirty="0" smtClean="0"/>
+              <a:t>. </a:t>
+            </a:r>
+            <a:r>
+              <a:rPr lang="pl-PL" dirty="0" err="1"/>
+              <a:t>b</a:t>
+            </a:r>
+            <a:r>
+              <a:rPr lang="pl-PL" dirty="0" err="1" smtClean="0"/>
+              <a:t>atch_size</a:t>
+            </a:r>
+            <a:r>
+              <a:rPr lang="pl-PL" dirty="0" smtClean="0"/>
+              <a:t>) – hardware </a:t>
+            </a:r>
+            <a:r>
+              <a:rPr lang="pl-PL" dirty="0" err="1" smtClean="0"/>
+              <a:t>problems</a:t>
+            </a:r>
+            <a:endParaRPr lang="pl-PL" dirty="0" smtClean="0"/>
+          </a:p>
+          <a:p>
+            <a:pPr>
+              <a:buFont typeface="Wingdings" panose="05000000000000000000" pitchFamily="2" charset="2"/>
+              <a:buChar char="v"/>
+            </a:pPr>
+            <a:r>
+              <a:rPr lang="pl-PL" dirty="0"/>
+              <a:t> </a:t>
+            </a:r>
+            <a:r>
+              <a:rPr lang="pl-PL" dirty="0" smtClean="0"/>
+              <a:t>The </a:t>
+            </a:r>
+            <a:r>
+              <a:rPr lang="pl-PL" dirty="0" err="1" smtClean="0"/>
+              <a:t>final</a:t>
+            </a:r>
+            <a:r>
+              <a:rPr lang="pl-PL" dirty="0" smtClean="0"/>
+              <a:t> model </a:t>
+            </a:r>
+            <a:r>
+              <a:rPr lang="pl-PL" dirty="0" err="1" smtClean="0"/>
+              <a:t>performs</a:t>
+            </a:r>
+            <a:r>
+              <a:rPr lang="pl-PL" dirty="0" smtClean="0"/>
+              <a:t> </a:t>
+            </a:r>
+            <a:r>
+              <a:rPr lang="pl-PL" dirty="0" err="1" smtClean="0"/>
+              <a:t>very</a:t>
+            </a:r>
+            <a:r>
+              <a:rPr lang="pl-PL" dirty="0" smtClean="0"/>
+              <a:t> </a:t>
+            </a:r>
+            <a:r>
+              <a:rPr lang="pl-PL" dirty="0" err="1" smtClean="0"/>
+              <a:t>well</a:t>
+            </a:r>
+            <a:r>
+              <a:rPr lang="pl-PL" dirty="0" smtClean="0"/>
+              <a:t> on </a:t>
+            </a:r>
+            <a:r>
+              <a:rPr lang="pl-PL" dirty="0" err="1" smtClean="0"/>
+              <a:t>training</a:t>
+            </a:r>
+            <a:r>
+              <a:rPr lang="pl-PL" dirty="0" smtClean="0"/>
+              <a:t> data</a:t>
+            </a:r>
+            <a:endParaRPr lang="pl-PL" dirty="0"/>
+          </a:p>
+        </p:txBody>
+      </p:sp>
+    </p:spTree>
+    <p:extLst>
+      <p:ext uri="{BB962C8B-B14F-4D97-AF65-F5344CB8AC3E}">
+        <p14:creationId xmlns:p14="http://schemas.microsoft.com/office/powerpoint/2010/main" val="2512498477"/>
+      </p:ext>
+    </p:extLst>
+  </p:cSld>
+  <p:clrMapOvr>
+    <a:masterClrMapping/>
+  </p:clrMapOvr>
+</p:sld>
+</file>
+
+<file path=ppt/slides/slide37.xml><?xml version="1.0" encoding="utf-8"?>
+<p:sld xmlns:a="http://schemas.openxmlformats.org/drawingml/2006/main" xmlns:r="http://schemas.openxmlformats.org/officeDocument/2006/relationships" xmlns:p="http://schemas.openxmlformats.org/presentationml/2006/main">
+  <p:cSld>
+    <p:spTree>
+      <p:nvGrpSpPr>
+        <p:cNvPr id="1" name=""/>
+        <p:cNvGrpSpPr/>
+        <p:nvPr/>
+      </p:nvGrpSpPr>
+      <p:grpSpPr>
+        <a:xfrm>
+          <a:off x="0" y="0"/>
+          <a:ext cx="0" cy="0"/>
+          <a:chOff x="0" y="0"/>
+          <a:chExt cx="0" cy="0"/>
+        </a:xfrm>
+      </p:grpSpPr>
+      <p:sp>
+        <p:nvSpPr>
+          <p:cNvPr id="2" name="Tytuł 1"/>
+          <p:cNvSpPr>
+            <a:spLocks noGrp="1"/>
+          </p:cNvSpPr>
+          <p:nvPr>
+            <p:ph type="title"/>
+          </p:nvPr>
+        </p:nvSpPr>
+        <p:spPr/>
+        <p:txBody>
+          <a:bodyPr/>
+          <a:lstStyle/>
+          <a:p>
+            <a:r>
+              <a:rPr lang="pl-PL" dirty="0" err="1" smtClean="0"/>
+              <a:t>Problems</a:t>
+            </a:r>
+            <a:r>
+              <a:rPr lang="pl-PL" dirty="0" smtClean="0"/>
+              <a:t> we </a:t>
+            </a:r>
+            <a:r>
+              <a:rPr lang="pl-PL" dirty="0" err="1" smtClean="0"/>
+              <a:t>encountered</a:t>
+            </a:r>
+            <a:endParaRPr lang="pl-PL" dirty="0"/>
+          </a:p>
+        </p:txBody>
+      </p:sp>
+      <p:sp>
+        <p:nvSpPr>
+          <p:cNvPr id="3" name="Symbol zastępczy zawartości 2"/>
+          <p:cNvSpPr>
+            <a:spLocks noGrp="1"/>
+          </p:cNvSpPr>
+          <p:nvPr>
+            <p:ph idx="1"/>
+          </p:nvPr>
+        </p:nvSpPr>
+        <p:spPr>
+          <a:xfrm>
+            <a:off x="1097280" y="1771228"/>
+            <a:ext cx="10058400" cy="4023360"/>
+          </a:xfrm>
+        </p:spPr>
+        <p:txBody>
+          <a:bodyPr>
+            <a:normAutofit/>
+          </a:bodyPr>
+          <a:lstStyle/>
+          <a:p>
+            <a:pPr>
+              <a:buFont typeface="Wingdings" panose="05000000000000000000" pitchFamily="2" charset="2"/>
+              <a:buChar char="v"/>
+            </a:pPr>
+            <a:r>
+              <a:rPr lang="pl-PL" dirty="0"/>
+              <a:t> </a:t>
+            </a:r>
+            <a:r>
+              <a:rPr lang="pl-PL" dirty="0" err="1" smtClean="0"/>
+              <a:t>Main</a:t>
+            </a:r>
+            <a:r>
+              <a:rPr lang="pl-PL" dirty="0" smtClean="0"/>
+              <a:t> problem – </a:t>
+            </a:r>
+            <a:r>
+              <a:rPr lang="pl-PL" dirty="0" err="1" smtClean="0"/>
+              <a:t>because</a:t>
+            </a:r>
+            <a:r>
+              <a:rPr lang="pl-PL" dirty="0" smtClean="0"/>
+              <a:t> the model </a:t>
+            </a:r>
+            <a:r>
+              <a:rPr lang="pl-PL" dirty="0" err="1" smtClean="0"/>
+              <a:t>is</a:t>
+            </a:r>
+            <a:r>
+              <a:rPr lang="pl-PL" dirty="0" smtClean="0"/>
+              <a:t> </a:t>
+            </a:r>
+            <a:r>
+              <a:rPr lang="pl-PL" dirty="0" err="1" smtClean="0"/>
+              <a:t>only</a:t>
+            </a:r>
+            <a:r>
+              <a:rPr lang="pl-PL" dirty="0" smtClean="0"/>
+              <a:t> </a:t>
+            </a:r>
+            <a:r>
+              <a:rPr lang="pl-PL" dirty="0" err="1" smtClean="0"/>
+              <a:t>trained</a:t>
+            </a:r>
+            <a:r>
+              <a:rPr lang="pl-PL" dirty="0" smtClean="0"/>
+              <a:t> on 37 </a:t>
+            </a:r>
+            <a:r>
+              <a:rPr lang="pl-PL" dirty="0" err="1" smtClean="0"/>
+              <a:t>classes</a:t>
+            </a:r>
+            <a:r>
+              <a:rPr lang="pl-PL" dirty="0" smtClean="0"/>
+              <a:t> of data, </a:t>
+            </a:r>
+            <a:r>
+              <a:rPr lang="pl-PL" dirty="0" err="1" smtClean="0"/>
+              <a:t>it</a:t>
+            </a:r>
+            <a:r>
+              <a:rPr lang="pl-PL" dirty="0" smtClean="0"/>
+              <a:t> </a:t>
+            </a:r>
+            <a:r>
+              <a:rPr lang="pl-PL" dirty="0" err="1" smtClean="0"/>
+              <a:t>cannot</a:t>
+            </a:r>
+            <a:r>
+              <a:rPr lang="pl-PL" dirty="0" smtClean="0"/>
+              <a:t> </a:t>
+            </a:r>
+            <a:r>
+              <a:rPr lang="pl-PL" dirty="0" err="1" smtClean="0"/>
+              <a:t>distinguish</a:t>
+            </a:r>
+            <a:r>
+              <a:rPr lang="pl-PL" dirty="0" smtClean="0"/>
+              <a:t> </a:t>
+            </a:r>
+            <a:r>
+              <a:rPr lang="pl-PL" dirty="0" err="1" smtClean="0"/>
+              <a:t>other</a:t>
+            </a:r>
+            <a:r>
+              <a:rPr lang="pl-PL" dirty="0" smtClean="0"/>
+              <a:t> </a:t>
+            </a:r>
+            <a:r>
+              <a:rPr lang="pl-PL" dirty="0" err="1" smtClean="0"/>
+              <a:t>classes</a:t>
+            </a:r>
+            <a:r>
+              <a:rPr lang="pl-PL" dirty="0" smtClean="0"/>
+              <a:t> (</a:t>
+            </a:r>
+            <a:r>
+              <a:rPr lang="pl-PL" dirty="0" err="1" smtClean="0"/>
+              <a:t>other</a:t>
+            </a:r>
+            <a:r>
+              <a:rPr lang="pl-PL" dirty="0" smtClean="0"/>
+              <a:t> </a:t>
+            </a:r>
+            <a:r>
+              <a:rPr lang="pl-PL" dirty="0" err="1" smtClean="0"/>
+              <a:t>breeds</a:t>
+            </a:r>
+            <a:r>
+              <a:rPr lang="pl-PL" dirty="0"/>
+              <a:t> </a:t>
+            </a:r>
+            <a:r>
+              <a:rPr lang="pl-PL" dirty="0" smtClean="0"/>
+              <a:t>of </a:t>
+            </a:r>
+            <a:r>
+              <a:rPr lang="pl-PL" dirty="0" err="1" smtClean="0"/>
+              <a:t>dogs</a:t>
+            </a:r>
+            <a:r>
+              <a:rPr lang="pl-PL" dirty="0" smtClean="0"/>
+              <a:t> </a:t>
+            </a:r>
+            <a:r>
+              <a:rPr lang="pl-PL" dirty="0" err="1" smtClean="0"/>
+              <a:t>or</a:t>
+            </a:r>
+            <a:r>
+              <a:rPr lang="pl-PL" dirty="0" smtClean="0"/>
+              <a:t> </a:t>
+            </a:r>
+            <a:r>
+              <a:rPr lang="pl-PL" dirty="0" err="1" smtClean="0"/>
+              <a:t>cats</a:t>
+            </a:r>
+            <a:r>
+              <a:rPr lang="pl-PL" dirty="0" smtClean="0"/>
+              <a:t>)</a:t>
+            </a:r>
+          </a:p>
+          <a:p>
+            <a:pPr>
+              <a:buFont typeface="Wingdings" panose="05000000000000000000" pitchFamily="2" charset="2"/>
+              <a:buChar char="v"/>
+            </a:pPr>
+            <a:r>
+              <a:rPr lang="pl-PL" dirty="0"/>
+              <a:t> </a:t>
+            </a:r>
+            <a:r>
+              <a:rPr lang="pl-PL" dirty="0" err="1" smtClean="0"/>
+              <a:t>When</a:t>
+            </a:r>
+            <a:r>
+              <a:rPr lang="pl-PL" dirty="0" smtClean="0"/>
+              <a:t> </a:t>
+            </a:r>
+            <a:r>
+              <a:rPr lang="pl-PL" dirty="0" err="1" smtClean="0"/>
+              <a:t>passing</a:t>
+            </a:r>
+            <a:r>
+              <a:rPr lang="pl-PL" dirty="0" smtClean="0"/>
+              <a:t> </a:t>
+            </a:r>
+            <a:r>
+              <a:rPr lang="pl-PL" dirty="0" err="1" smtClean="0"/>
+              <a:t>an</a:t>
+            </a:r>
+            <a:r>
+              <a:rPr lang="pl-PL" dirty="0"/>
+              <a:t> </a:t>
+            </a:r>
+            <a:r>
+              <a:rPr lang="pl-PL" dirty="0" smtClean="0"/>
+              <a:t>image </a:t>
+            </a:r>
+            <a:r>
+              <a:rPr lang="pl-PL" dirty="0" err="1" smtClean="0"/>
+              <a:t>that</a:t>
+            </a:r>
+            <a:r>
+              <a:rPr lang="pl-PL" dirty="0" smtClean="0"/>
+              <a:t> </a:t>
+            </a:r>
+            <a:r>
+              <a:rPr lang="pl-PL" dirty="0" err="1" smtClean="0"/>
+              <a:t>does</a:t>
+            </a:r>
+            <a:r>
+              <a:rPr lang="pl-PL" dirty="0" smtClean="0"/>
+              <a:t> not </a:t>
+            </a:r>
+            <a:r>
+              <a:rPr lang="pl-PL" dirty="0" err="1" smtClean="0"/>
+              <a:t>belong</a:t>
+            </a:r>
+            <a:r>
+              <a:rPr lang="pl-PL" dirty="0" smtClean="0"/>
+              <a:t> to </a:t>
+            </a:r>
+            <a:r>
+              <a:rPr lang="pl-PL" dirty="0" err="1" smtClean="0"/>
+              <a:t>these</a:t>
+            </a:r>
+            <a:r>
+              <a:rPr lang="pl-PL" dirty="0" smtClean="0"/>
+              <a:t> 37 </a:t>
+            </a:r>
+            <a:r>
+              <a:rPr lang="pl-PL" dirty="0" err="1" smtClean="0"/>
+              <a:t>classes</a:t>
+            </a:r>
+            <a:r>
+              <a:rPr lang="pl-PL" dirty="0" smtClean="0"/>
+              <a:t>, we </a:t>
+            </a:r>
+            <a:r>
+              <a:rPr lang="pl-PL" dirty="0" err="1" smtClean="0"/>
+              <a:t>will</a:t>
+            </a:r>
+            <a:r>
+              <a:rPr lang="pl-PL" dirty="0" smtClean="0"/>
+              <a:t> not </a:t>
+            </a:r>
+            <a:r>
+              <a:rPr lang="pl-PL" dirty="0" err="1" smtClean="0"/>
+              <a:t>get</a:t>
+            </a:r>
+            <a:r>
+              <a:rPr lang="pl-PL" dirty="0" smtClean="0"/>
+              <a:t> </a:t>
+            </a:r>
+            <a:r>
+              <a:rPr lang="pl-PL" dirty="0" err="1" smtClean="0"/>
+              <a:t>good</a:t>
+            </a:r>
+            <a:r>
+              <a:rPr lang="pl-PL" dirty="0" smtClean="0"/>
+              <a:t> </a:t>
+            </a:r>
+            <a:r>
+              <a:rPr lang="pl-PL" dirty="0" err="1" smtClean="0"/>
+              <a:t>results</a:t>
+            </a:r>
+            <a:endParaRPr lang="pl-PL" dirty="0" smtClean="0"/>
+          </a:p>
+        </p:txBody>
+      </p:sp>
+    </p:spTree>
+    <p:extLst>
+      <p:ext uri="{BB962C8B-B14F-4D97-AF65-F5344CB8AC3E}">
+        <p14:creationId xmlns:p14="http://schemas.microsoft.com/office/powerpoint/2010/main" val="92991645"/>
+      </p:ext>
+    </p:extLst>
+  </p:cSld>
+  <p:clrMapOvr>
+    <a:masterClrMapping/>
+  </p:clrMapOvr>
+</p:sld>
+</file>
+
 <file path=ppt/slides/slide38.xml><?xml version="1.0" encoding="utf-8"?>
 <p:sld xmlns:a="http://schemas.openxmlformats.org/drawingml/2006/main" xmlns:r="http://schemas.openxmlformats.org/officeDocument/2006/relationships" xmlns:p="http://schemas.openxmlformats.org/presentationml/2006/main">
   <p:cSld>
@@ -14298,7 +13969,7 @@
           <a:p>
             <a:r>
               <a:rPr lang="pl-PL" dirty="0" err="1" smtClean="0"/>
-              <a:t>Conclusions</a:t>
+              <a:t>Sources</a:t>
             </a:r>
             <a:endParaRPr lang="pl-PL" dirty="0"/>
           </a:p>
@@ -14314,16 +13985,9 @@
             <p:ph idx="1"/>
           </p:nvPr>
         </p:nvSpPr>
-        <p:spPr>
-          <a:xfrm>
-            <a:off x="1097280" y="1771228"/>
-            <a:ext cx="10058400" cy="4023360"/>
-          </a:xfrm>
-        </p:spPr>
-        <p:txBody>
-          <a:bodyPr>
-            <a:normAutofit/>
-          </a:bodyPr>
+        <p:spPr/>
+        <p:txBody>
+          <a:bodyPr/>
           <a:lstStyle/>
           <a:p>
             <a:pPr>
@@ -14335,108 +13999,10 @@
               <a:t> </a:t>
             </a:r>
             <a:r>
-              <a:rPr lang="pl-PL" dirty="0" smtClean="0"/>
-              <a:t>The </a:t>
-            </a:r>
-            <a:r>
-              <a:rPr lang="pl-PL" dirty="0" err="1" smtClean="0"/>
-              <a:t>dataset</a:t>
-            </a:r>
-            <a:r>
-              <a:rPr lang="pl-PL" dirty="0" smtClean="0"/>
-              <a:t> we </a:t>
-            </a:r>
-            <a:r>
-              <a:rPr lang="pl-PL" dirty="0" err="1" smtClean="0"/>
-              <a:t>used</a:t>
-            </a:r>
-            <a:r>
-              <a:rPr lang="pl-PL" dirty="0" smtClean="0"/>
-              <a:t> was not big </a:t>
-            </a:r>
-            <a:r>
-              <a:rPr lang="pl-PL" dirty="0" err="1" smtClean="0"/>
-              <a:t>enough</a:t>
-            </a:r>
-            <a:r>
-              <a:rPr lang="pl-PL" dirty="0" smtClean="0"/>
-              <a:t> to </a:t>
-            </a:r>
-            <a:r>
-              <a:rPr lang="pl-PL" dirty="0" err="1" smtClean="0"/>
-              <a:t>fully</a:t>
-            </a:r>
-            <a:r>
-              <a:rPr lang="pl-PL" dirty="0" smtClean="0"/>
-              <a:t> </a:t>
-            </a:r>
-            <a:r>
-              <a:rPr lang="pl-PL" dirty="0" err="1" smtClean="0"/>
-              <a:t>prevent</a:t>
-            </a:r>
-            <a:r>
-              <a:rPr lang="pl-PL" dirty="0" smtClean="0"/>
-              <a:t> </a:t>
-            </a:r>
-            <a:r>
-              <a:rPr lang="pl-PL" dirty="0" err="1" smtClean="0"/>
-              <a:t>overfitting</a:t>
-            </a:r>
-            <a:r>
-              <a:rPr lang="pl-PL" dirty="0" smtClean="0"/>
-              <a:t>, and to </a:t>
-            </a:r>
-            <a:r>
-              <a:rPr lang="pl-PL" dirty="0" err="1" smtClean="0"/>
-              <a:t>keep</a:t>
-            </a:r>
-            <a:r>
-              <a:rPr lang="pl-PL" dirty="0" smtClean="0"/>
-              <a:t> </a:t>
-            </a:r>
-            <a:r>
-              <a:rPr lang="pl-PL" dirty="0" err="1" smtClean="0"/>
-              <a:t>training</a:t>
-            </a:r>
-            <a:r>
-              <a:rPr lang="pl-PL" dirty="0" smtClean="0"/>
-              <a:t> </a:t>
-            </a:r>
-            <a:r>
-              <a:rPr lang="pl-PL" dirty="0" err="1" smtClean="0"/>
-              <a:t>accuracy</a:t>
-            </a:r>
-            <a:r>
-              <a:rPr lang="pl-PL" dirty="0" smtClean="0"/>
-              <a:t> as </a:t>
-            </a:r>
-            <a:r>
-              <a:rPr lang="pl-PL" dirty="0" err="1" smtClean="0"/>
-              <a:t>close</a:t>
-            </a:r>
-            <a:r>
-              <a:rPr lang="pl-PL" dirty="0" smtClean="0"/>
-              <a:t> as </a:t>
-            </a:r>
-            <a:r>
-              <a:rPr lang="pl-PL" dirty="0" err="1" smtClean="0"/>
-              <a:t>possible</a:t>
-            </a:r>
-            <a:r>
-              <a:rPr lang="pl-PL" dirty="0" smtClean="0"/>
-              <a:t> to </a:t>
-            </a:r>
-            <a:r>
-              <a:rPr lang="pl-PL" dirty="0" err="1" smtClean="0"/>
-              <a:t>validation</a:t>
-            </a:r>
-            <a:r>
-              <a:rPr lang="pl-PL" dirty="0" smtClean="0"/>
-              <a:t> </a:t>
-            </a:r>
-            <a:r>
-              <a:rPr lang="pl-PL" dirty="0" err="1" smtClean="0"/>
-              <a:t>accuracy</a:t>
+              <a:rPr lang="pl-PL" dirty="0" smtClean="0">
+                <a:hlinkClick r:id="rId2"/>
+              </a:rPr>
+              <a:t>https://www.kaggle.com/datasets/zippyz/cats-and-dogs-breeds-classification-oxford-dataset</a:t>
             </a:r>
             <a:endParaRPr lang="pl-PL" dirty="0" smtClean="0"/>
           </a:p>
@@ -14450,72 +14016,10 @@
               <a:t> </a:t>
             </a:r>
             <a:r>
-              <a:rPr lang="pl-PL" dirty="0" smtClean="0"/>
-              <a:t>We </a:t>
-            </a:r>
-            <a:r>
-              <a:rPr lang="pl-PL" dirty="0" err="1" smtClean="0"/>
-              <a:t>had</a:t>
-            </a:r>
-            <a:r>
-              <a:rPr lang="pl-PL" dirty="0" smtClean="0"/>
-              <a:t> to </a:t>
-            </a:r>
-            <a:r>
-              <a:rPr lang="pl-PL" dirty="0" err="1" smtClean="0"/>
-              <a:t>settle</a:t>
-            </a:r>
-            <a:r>
-              <a:rPr lang="pl-PL" dirty="0" smtClean="0"/>
-              <a:t> for </a:t>
-            </a:r>
-            <a:r>
-              <a:rPr lang="pl-PL" dirty="0" err="1" smtClean="0"/>
-              <a:t>some</a:t>
-            </a:r>
-            <a:r>
-              <a:rPr lang="pl-PL" dirty="0" smtClean="0"/>
-              <a:t> </a:t>
-            </a:r>
-            <a:r>
-              <a:rPr lang="pl-PL" dirty="0" err="1" smtClean="0"/>
-              <a:t>unoptimized</a:t>
-            </a:r>
-            <a:r>
-              <a:rPr lang="pl-PL" dirty="0" smtClean="0"/>
-              <a:t> </a:t>
-            </a:r>
-            <a:r>
-              <a:rPr lang="pl-PL" dirty="0" err="1" smtClean="0"/>
-              <a:t>parameters</a:t>
-            </a:r>
-            <a:r>
-              <a:rPr lang="pl-PL" dirty="0" smtClean="0"/>
-              <a:t> (</a:t>
-            </a:r>
-            <a:r>
-              <a:rPr lang="pl-PL" dirty="0" err="1" smtClean="0"/>
-              <a:t>eg</a:t>
-            </a:r>
-            <a:r>
-              <a:rPr lang="pl-PL" dirty="0" smtClean="0"/>
-              <a:t>. </a:t>
-            </a:r>
-            <a:r>
-              <a:rPr lang="pl-PL" dirty="0" err="1"/>
-              <a:t>b</a:t>
-            </a:r>
-            <a:r>
-              <a:rPr lang="pl-PL" dirty="0" err="1" smtClean="0"/>
-              <a:t>atch_size</a:t>
-            </a:r>
-            <a:r>
-              <a:rPr lang="pl-PL" dirty="0" smtClean="0"/>
-              <a:t>) – hardware </a:t>
-            </a:r>
-            <a:r>
-              <a:rPr lang="pl-PL" dirty="0" err="1" smtClean="0"/>
-              <a:t>problems</a:t>
+              <a:rPr lang="pl-PL" dirty="0" smtClean="0">
+                <a:hlinkClick r:id="rId3"/>
+              </a:rPr>
+              <a:t>https://www.tensorflow.org/</a:t>
             </a:r>
             <a:endParaRPr lang="pl-PL" dirty="0" smtClean="0"/>
           </a:p>
@@ -14525,139 +14029,25 @@
               <a:buChar char="v"/>
             </a:pPr>
             <a:r>
-              <a:rPr lang="pl-PL" dirty="0"/>
-              <a:t> </a:t>
-            </a:r>
-            <a:r>
-              <a:rPr lang="pl-PL" dirty="0" smtClean="0"/>
-              <a:t>The </a:t>
-            </a:r>
-            <a:r>
-              <a:rPr lang="pl-PL" dirty="0" err="1" smtClean="0"/>
-              <a:t>final</a:t>
-            </a:r>
-            <a:r>
-              <a:rPr lang="pl-PL" dirty="0" smtClean="0"/>
-              <a:t> model </a:t>
-            </a:r>
-            <a:r>
-              <a:rPr lang="pl-PL" dirty="0" err="1" smtClean="0"/>
-              <a:t>performs</a:t>
-            </a:r>
-            <a:r>
-              <a:rPr lang="pl-PL" dirty="0" smtClean="0"/>
-              <a:t> </a:t>
-            </a:r>
-            <a:r>
-              <a:rPr lang="pl-PL" dirty="0" err="1" smtClean="0"/>
-              <a:t>very</a:t>
-            </a:r>
-            <a:r>
-              <a:rPr lang="pl-PL" dirty="0" smtClean="0"/>
-              <a:t> </a:t>
-            </a:r>
-            <a:r>
-              <a:rPr lang="pl-PL" dirty="0" err="1" smtClean="0"/>
-              <a:t>well</a:t>
-            </a:r>
-            <a:r>
-              <a:rPr lang="pl-PL" dirty="0" smtClean="0"/>
-              <a:t> on </a:t>
-            </a:r>
-            <a:r>
-              <a:rPr lang="pl-PL" dirty="0" err="1" smtClean="0"/>
-              <a:t>training</a:t>
-            </a:r>
-            <a:r>
-              <a:rPr lang="pl-PL" dirty="0" smtClean="0"/>
-              <a:t> data</a:t>
-            </a:r>
-            <a:endParaRPr lang="pl-PL" dirty="0"/>
-          </a:p>
-        </p:txBody>
-      </p:sp>
-    </p:spTree>
-    <p:extLst>
-      <p:ext uri="{BB962C8B-B14F-4D97-AF65-F5344CB8AC3E}">
-        <p14:creationId xmlns:p14="http://schemas.microsoft.com/office/powerpoint/2010/main" val="2512498477"/>
-      </p:ext>
-    </p:extLst>
-  </p:cSld>
-  <p:clrMapOvr>
-    <a:masterClrMapping/>
-  </p:clrMapOvr>
-</p:sld>
-</file>
-
-<file path=ppt/slides/slide39.xml><?xml version="1.0" encoding="utf-8"?>
-<p:sld xmlns:a="http://schemas.openxmlformats.org/drawingml/2006/main" xmlns:r="http://schemas.openxmlformats.org/officeDocument/2006/relationships" xmlns:p="http://schemas.openxmlformats.org/presentationml/2006/main">
-  <p:cSld>
-    <p:spTree>
-      <p:nvGrpSpPr>
-        <p:cNvPr id="1" name=""/>
-        <p:cNvGrpSpPr/>
-        <p:nvPr/>
-      </p:nvGrpSpPr>
-      <p:grpSpPr>
-        <a:xfrm>
-          <a:off x="0" y="0"/>
-          <a:ext cx="0" cy="0"/>
-          <a:chOff x="0" y="0"/>
-          <a:chExt cx="0" cy="0"/>
-        </a:xfrm>
-      </p:grpSpPr>
-      <p:sp>
-        <p:nvSpPr>
-          <p:cNvPr id="2" name="Tytuł 1"/>
-          <p:cNvSpPr>
-            <a:spLocks noGrp="1"/>
-          </p:cNvSpPr>
-          <p:nvPr>
-            <p:ph type="title"/>
-          </p:nvPr>
-        </p:nvSpPr>
-        <p:spPr/>
-        <p:txBody>
-          <a:bodyPr/>
-          <a:lstStyle/>
-          <a:p>
-            <a:r>
-              <a:rPr lang="pl-PL" dirty="0" err="1" smtClean="0"/>
-              <a:t>Problems</a:t>
-            </a:r>
-            <a:r>
-              <a:rPr lang="pl-PL" dirty="0" smtClean="0"/>
-              <a:t> we </a:t>
-            </a:r>
-            <a:r>
-              <a:rPr lang="pl-PL" dirty="0" err="1" smtClean="0"/>
-              <a:t>encountered</a:t>
-            </a:r>
-            <a:endParaRPr lang="pl-PL" dirty="0"/>
-          </a:p>
-        </p:txBody>
-      </p:sp>
-      <p:sp>
-        <p:nvSpPr>
-          <p:cNvPr id="3" name="Symbol zastępczy zawartości 2"/>
-          <p:cNvSpPr>
-            <a:spLocks noGrp="1"/>
-          </p:cNvSpPr>
-          <p:nvPr>
-            <p:ph idx="1"/>
-          </p:nvPr>
-        </p:nvSpPr>
-        <p:spPr>
-          <a:xfrm>
-            <a:off x="1097280" y="1771228"/>
-            <a:ext cx="10058400" cy="4023360"/>
-          </a:xfrm>
-        </p:spPr>
-        <p:txBody>
-          <a:bodyPr>
-            <a:normAutofit/>
-          </a:bodyPr>
-          <a:lstStyle/>
+              <a:rPr lang="pl-PL" dirty="0" smtClean="0">
+                <a:hlinkClick r:id="rId4"/>
+              </a:rPr>
+              <a:t> https</a:t>
+            </a:r>
+            <a:r>
+              <a:rPr lang="pl-PL" dirty="0">
+                <a:hlinkClick r:id="rId4"/>
+              </a:rPr>
+              <a:t>://docs.python.org/3/reference</a:t>
+            </a:r>
+            <a:r>
+              <a:rPr lang="pl-PL" dirty="0" smtClean="0">
+                <a:hlinkClick r:id="rId4"/>
+              </a:rPr>
+              <a:t>/</a:t>
+            </a:r>
+            <a:endParaRPr lang="pl-PL" dirty="0" smtClean="0"/>
+          </a:p>
           <a:p>
             <a:pPr>
               <a:buFont typeface="Wingdings" panose="05000000000000000000" pitchFamily="2" charset="2"/>
@@ -14668,137 +14058,18 @@
               <a:t> </a:t>
             </a:r>
             <a:r>
-              <a:rPr lang="pl-PL" dirty="0" err="1" smtClean="0"/>
-              <a:t>Main</a:t>
-            </a:r>
-            <a:r>
-              <a:rPr lang="pl-PL" dirty="0" smtClean="0"/>
-              <a:t> problem – </a:t>
-            </a:r>
-            <a:r>
-              <a:rPr lang="pl-PL" dirty="0" err="1" smtClean="0"/>
-              <a:t>because</a:t>
-            </a:r>
-            <a:r>
-              <a:rPr lang="pl-PL" dirty="0" smtClean="0"/>
-              <a:t> the model </a:t>
-            </a:r>
-            <a:r>
-              <a:rPr lang="pl-PL" dirty="0" err="1" smtClean="0"/>
-              <a:t>is</a:t>
-            </a:r>
-            <a:r>
-              <a:rPr lang="pl-PL" dirty="0" smtClean="0"/>
-              <a:t> </a:t>
-            </a:r>
-            <a:r>
-              <a:rPr lang="pl-PL" dirty="0" err="1" smtClean="0"/>
-              <a:t>only</a:t>
-            </a:r>
-            <a:r>
-              <a:rPr lang="pl-PL" dirty="0" smtClean="0"/>
-              <a:t> </a:t>
-            </a:r>
-            <a:r>
-              <a:rPr lang="pl-PL" dirty="0" err="1" smtClean="0"/>
-              <a:t>trained</a:t>
-            </a:r>
-            <a:r>
-              <a:rPr lang="pl-PL" dirty="0" smtClean="0"/>
-              <a:t> on 37 </a:t>
-            </a:r>
-            <a:r>
-              <a:rPr lang="pl-PL" dirty="0" err="1" smtClean="0"/>
-              <a:t>classes</a:t>
-            </a:r>
-            <a:r>
-              <a:rPr lang="pl-PL" dirty="0" smtClean="0"/>
-              <a:t> of data, </a:t>
-            </a:r>
-            <a:r>
-              <a:rPr lang="pl-PL" dirty="0" err="1" smtClean="0"/>
-              <a:t>it</a:t>
-            </a:r>
-            <a:r>
-              <a:rPr lang="pl-PL" dirty="0" smtClean="0"/>
-              <a:t> </a:t>
-            </a:r>
-            <a:r>
-              <a:rPr lang="pl-PL" dirty="0" err="1" smtClean="0"/>
-              <a:t>cannot</a:t>
-            </a:r>
-            <a:r>
-              <a:rPr lang="pl-PL" dirty="0" smtClean="0"/>
-              <a:t> </a:t>
-            </a:r>
-            <a:r>
-              <a:rPr lang="pl-PL" dirty="0" err="1" smtClean="0"/>
-              <a:t>distinguish</a:t>
-            </a:r>
-            <a:r>
-              <a:rPr lang="pl-PL" dirty="0" smtClean="0"/>
-              <a:t> </a:t>
-            </a:r>
-            <a:r>
-              <a:rPr lang="pl-PL" dirty="0" err="1" smtClean="0"/>
-              <a:t>other</a:t>
-            </a:r>
-            <a:r>
-              <a:rPr lang="pl-PL" dirty="0" smtClean="0"/>
-              <a:t> </a:t>
-            </a:r>
-            <a:r>
-              <a:rPr lang="pl-PL" dirty="0" err="1" smtClean="0"/>
-              <a:t>classes</a:t>
-            </a:r>
-            <a:r>
-              <a:rPr lang="pl-PL" dirty="0" smtClean="0"/>
-              <a:t> (</a:t>
-            </a:r>
-            <a:r>
-              <a:rPr lang="pl-PL" dirty="0" err="1" smtClean="0"/>
-              <a:t>other</a:t>
-            </a:r>
-            <a:r>
-              <a:rPr lang="pl-PL" dirty="0" smtClean="0"/>
-              <a:t> </a:t>
-            </a:r>
-            <a:r>
-              <a:rPr lang="pl-PL" dirty="0" err="1" smtClean="0"/>
-              <a:t>breeds</a:t>
-            </a:r>
-            <a:r>
-              <a:rPr lang="pl-PL" dirty="0"/>
-              <a:t> </a:t>
-            </a:r>
-            <a:r>
-              <a:rPr lang="pl-PL" dirty="0" smtClean="0"/>
-              <a:t>of </a:t>
-            </a:r>
-            <a:r>
-              <a:rPr lang="pl-PL" dirty="0" err="1" smtClean="0"/>
-              <a:t>dogs</a:t>
-            </a:r>
-            <a:r>
-              <a:rPr lang="pl-PL" dirty="0" smtClean="0"/>
-              <a:t> </a:t>
-            </a:r>
-            <a:r>
-              <a:rPr lang="pl-PL" dirty="0" err="1" smtClean="0"/>
-              <a:t>or</a:t>
-            </a:r>
-            <a:r>
-              <a:rPr lang="pl-PL" dirty="0" smtClean="0"/>
-              <a:t> </a:t>
-            </a:r>
-            <a:r>
-              <a:rPr lang="pl-PL" dirty="0" err="1" smtClean="0"/>
-              <a:t>cats</a:t>
-            </a:r>
-            <a:r>
-              <a:rPr lang="pl-PL" dirty="0" smtClean="0"/>
-              <a:t>)</a:t>
-            </a:r>
+              <a:rPr lang="pl-PL" dirty="0">
+                <a:hlinkClick r:id="rId5"/>
+              </a:rPr>
+              <a:t>https://machinelearningknowledge.ai</a:t>
+            </a:r>
+            <a:r>
+              <a:rPr lang="pl-PL" dirty="0" smtClean="0">
+                <a:hlinkClick r:id="rId5"/>
+              </a:rPr>
+              <a:t>/</a:t>
+            </a:r>
+            <a:endParaRPr lang="pl-PL" dirty="0" smtClean="0"/>
           </a:p>
           <a:p>
             <a:pPr>
@@ -14810,109 +14081,90 @@
               <a:t> </a:t>
             </a:r>
             <a:r>
-              <a:rPr lang="pl-PL" dirty="0" err="1" smtClean="0"/>
-              <a:t>When</a:t>
-            </a:r>
-            <a:r>
-              <a:rPr lang="pl-PL" dirty="0" smtClean="0"/>
-              <a:t> </a:t>
-            </a:r>
-            <a:r>
-              <a:rPr lang="pl-PL" dirty="0" err="1" smtClean="0"/>
-              <a:t>passing</a:t>
-            </a:r>
-            <a:r>
-              <a:rPr lang="pl-PL" dirty="0" smtClean="0"/>
-              <a:t> </a:t>
-            </a:r>
-            <a:r>
-              <a:rPr lang="pl-PL" dirty="0" err="1" smtClean="0"/>
-              <a:t>an</a:t>
-            </a:r>
+              <a:rPr lang="pl-PL" dirty="0">
+                <a:hlinkClick r:id="rId6"/>
+              </a:rPr>
+              <a:t>https://towardsdatascience.com</a:t>
+            </a:r>
+            <a:r>
+              <a:rPr lang="pl-PL" dirty="0" smtClean="0">
+                <a:hlinkClick r:id="rId6"/>
+              </a:rPr>
+              <a:t>/</a:t>
+            </a:r>
+            <a:endParaRPr lang="pl-PL" dirty="0" smtClean="0"/>
+          </a:p>
+          <a:p>
+            <a:pPr>
+              <a:buFont typeface="Wingdings" panose="05000000000000000000" pitchFamily="2" charset="2"/>
+              <a:buChar char="v"/>
+            </a:pPr>
             <a:r>
               <a:rPr lang="pl-PL" dirty="0"/>
               <a:t> </a:t>
             </a:r>
             <a:r>
-              <a:rPr lang="pl-PL" dirty="0" smtClean="0"/>
-              <a:t>image </a:t>
-            </a:r>
-            <a:r>
-              <a:rPr lang="pl-PL" dirty="0" err="1" smtClean="0"/>
-              <a:t>that</a:t>
-            </a:r>
-            <a:r>
-              <a:rPr lang="pl-PL" dirty="0" smtClean="0"/>
-              <a:t> </a:t>
-            </a:r>
-            <a:r>
-              <a:rPr lang="pl-PL" dirty="0" err="1" smtClean="0"/>
-              <a:t>does</a:t>
-            </a:r>
-            <a:r>
-              <a:rPr lang="pl-PL" dirty="0" smtClean="0"/>
-              <a:t> not </a:t>
-            </a:r>
-            <a:r>
-              <a:rPr lang="pl-PL" dirty="0" err="1" smtClean="0"/>
-              <a:t>belong</a:t>
-            </a:r>
-            <a:r>
-              <a:rPr lang="pl-PL" dirty="0" smtClean="0"/>
-              <a:t> to </a:t>
-            </a:r>
-            <a:r>
-              <a:rPr lang="pl-PL" dirty="0" err="1" smtClean="0"/>
-              <a:t>these</a:t>
-            </a:r>
-            <a:r>
-              <a:rPr lang="pl-PL" dirty="0" smtClean="0"/>
-              <a:t> 37 </a:t>
-            </a:r>
-            <a:r>
-              <a:rPr lang="pl-PL" dirty="0" err="1" smtClean="0"/>
-              <a:t>classes</a:t>
-            </a:r>
-            <a:r>
-              <a:rPr lang="pl-PL" dirty="0" smtClean="0"/>
-              <a:t>, we </a:t>
-            </a:r>
-            <a:r>
-              <a:rPr lang="pl-PL" dirty="0" err="1" smtClean="0"/>
-              <a:t>will</a:t>
-            </a:r>
-            <a:r>
-              <a:rPr lang="pl-PL" dirty="0" smtClean="0"/>
-              <a:t> not </a:t>
-            </a:r>
-            <a:r>
-              <a:rPr lang="pl-PL" dirty="0" err="1" smtClean="0"/>
-              <a:t>get</a:t>
-            </a:r>
-            <a:r>
-              <a:rPr lang="pl-PL" dirty="0" smtClean="0"/>
-              <a:t> </a:t>
-            </a:r>
-            <a:r>
-              <a:rPr lang="pl-PL" dirty="0" err="1" smtClean="0"/>
-              <a:t>good</a:t>
-            </a:r>
-            <a:r>
-              <a:rPr lang="pl-PL" dirty="0" smtClean="0"/>
-              <a:t> </a:t>
-            </a:r>
-            <a:r>
-              <a:rPr lang="pl-PL" dirty="0" err="1" smtClean="0"/>
-              <a:t>results</a:t>
-            </a:r>
-            <a:endParaRPr lang="pl-PL" dirty="0" smtClean="0"/>
+              <a:rPr lang="pl-PL" dirty="0">
+                <a:hlinkClick r:id="rId7"/>
+              </a:rPr>
+              <a:t>https://</a:t>
+            </a:r>
+            <a:r>
+              <a:rPr lang="pl-PL" dirty="0" smtClean="0">
+                <a:hlinkClick r:id="rId7"/>
+              </a:rPr>
+              <a:t>anhreynolds.com/blogs/cnn.html</a:t>
+            </a:r>
+            <a:r>
+              <a:rPr lang="pl-PL" dirty="0" smtClean="0"/>
+              <a:t> </a:t>
+            </a:r>
+          </a:p>
+          <a:p>
+            <a:pPr>
+              <a:buFont typeface="Wingdings" panose="05000000000000000000" pitchFamily="2" charset="2"/>
+              <a:buChar char="v"/>
+            </a:pPr>
+            <a:r>
+              <a:rPr lang="pl-PL" dirty="0" smtClean="0"/>
+              <a:t> </a:t>
+            </a:r>
+            <a:r>
+              <a:rPr lang="pl-PL" dirty="0" smtClean="0">
+                <a:hlinkClick r:id="rId8"/>
+              </a:rPr>
+              <a:t>https</a:t>
+            </a:r>
+            <a:r>
+              <a:rPr lang="pl-PL" dirty="0">
+                <a:hlinkClick r:id="rId8"/>
+              </a:rPr>
+              <a:t>://iq.opengenus.org/purpose-of-different-layers-in-ml</a:t>
+            </a:r>
+            <a:r>
+              <a:rPr lang="pl-PL" dirty="0" smtClean="0">
+                <a:hlinkClick r:id="rId8"/>
+              </a:rPr>
+              <a:t>/</a:t>
+            </a:r>
+            <a:r>
+              <a:rPr lang="pl-PL" dirty="0" smtClean="0"/>
+              <a:t> </a:t>
+            </a:r>
+          </a:p>
+          <a:p>
+            <a:pPr>
+              <a:buFont typeface="Wingdings" panose="05000000000000000000" pitchFamily="2" charset="2"/>
+              <a:buChar char="v"/>
+            </a:pPr>
+            <a:endParaRPr lang="pl-PL" dirty="0"/>
           </a:p>
         </p:txBody>
       </p:sp>
     </p:spTree>
     <p:extLst>
       <p:ext uri="{BB962C8B-B14F-4D97-AF65-F5344CB8AC3E}">
-        <p14:creationId xmlns:p14="http://schemas.microsoft.com/office/powerpoint/2010/main" val="92991645"/>
+        <p14:creationId xmlns:p14="http://schemas.microsoft.com/office/powerpoint/2010/main" val="3310370172"/>
       </p:ext>
     </p:extLst>
   </p:cSld>
@@ -15187,246 +14439,6 @@
       </p:par>
     </p:tnLst>
   </p:timing>
-</p:sld>
-</file>
-
-<file path=ppt/slides/slide40.xml><?xml version="1.0" encoding="utf-8"?>
-<p:sld xmlns:a="http://schemas.openxmlformats.org/drawingml/2006/main" xmlns:r="http://schemas.openxmlformats.org/officeDocument/2006/relationships" xmlns:p="http://schemas.openxmlformats.org/presentationml/2006/main">
-  <p:cSld>
-    <p:spTree>
-      <p:nvGrpSpPr>
-        <p:cNvPr id="1" name=""/>
-        <p:cNvGrpSpPr/>
-        <p:nvPr/>
-      </p:nvGrpSpPr>
-      <p:grpSpPr>
-        <a:xfrm>
-          <a:off x="0" y="0"/>
-          <a:ext cx="0" cy="0"/>
-          <a:chOff x="0" y="0"/>
-          <a:chExt cx="0" cy="0"/>
-        </a:xfrm>
-      </p:grpSpPr>
-      <p:sp>
-        <p:nvSpPr>
-          <p:cNvPr id="2" name="Tytuł 1"/>
-          <p:cNvSpPr>
-            <a:spLocks noGrp="1"/>
-          </p:cNvSpPr>
-          <p:nvPr>
-            <p:ph type="title"/>
-          </p:nvPr>
-        </p:nvSpPr>
-        <p:spPr/>
-        <p:txBody>
-          <a:bodyPr/>
-          <a:lstStyle/>
-          <a:p>
-            <a:r>
-              <a:rPr lang="pl-PL" dirty="0" err="1" smtClean="0"/>
-              <a:t>Sources</a:t>
-            </a:r>
-            <a:endParaRPr lang="pl-PL" dirty="0"/>
-          </a:p>
-        </p:txBody>
-      </p:sp>
-      <p:sp>
-        <p:nvSpPr>
-          <p:cNvPr id="3" name="Symbol zastępczy zawartości 2"/>
-          <p:cNvSpPr>
-            <a:spLocks noGrp="1"/>
-          </p:cNvSpPr>
-          <p:nvPr>
-            <p:ph idx="1"/>
-          </p:nvPr>
-        </p:nvSpPr>
-        <p:spPr/>
-        <p:txBody>
-          <a:bodyPr/>
-          <a:lstStyle/>
-          <a:p>
-            <a:pPr>
-              <a:buFont typeface="Wingdings" panose="05000000000000000000" pitchFamily="2" charset="2"/>
-              <a:buChar char="v"/>
-            </a:pPr>
-            <a:r>
-              <a:rPr lang="pl-PL" dirty="0"/>
-              <a:t> </a:t>
-            </a:r>
-            <a:r>
-              <a:rPr lang="pl-PL" dirty="0" smtClean="0">
-                <a:hlinkClick r:id="rId2"/>
-              </a:rPr>
-              <a:t>https://www.kaggle.com/datasets/zippyz/cats-and-dogs-breeds-classification-oxford-dataset</a:t>
-            </a:r>
-            <a:endParaRPr lang="pl-PL" dirty="0" smtClean="0"/>
-          </a:p>
-          <a:p>
-            <a:pPr>
-              <a:buFont typeface="Wingdings" panose="05000000000000000000" pitchFamily="2" charset="2"/>
-              <a:buChar char="v"/>
-            </a:pPr>
-            <a:r>
-              <a:rPr lang="pl-PL" dirty="0"/>
-              <a:t> </a:t>
-            </a:r>
-            <a:r>
-              <a:rPr lang="pl-PL" dirty="0" smtClean="0">
-                <a:hlinkClick r:id="rId3"/>
-              </a:rPr>
-              <a:t>https://www.tensorflow.org/</a:t>
-            </a:r>
-            <a:endParaRPr lang="pl-PL" dirty="0" smtClean="0"/>
-          </a:p>
-          <a:p>
-            <a:pPr>
-              <a:buFont typeface="Wingdings" panose="05000000000000000000" pitchFamily="2" charset="2"/>
-              <a:buChar char="v"/>
-            </a:pPr>
-            <a:r>
-              <a:rPr lang="pl-PL" dirty="0" smtClean="0">
-                <a:hlinkClick r:id="rId4"/>
-              </a:rPr>
-              <a:t> https</a:t>
-            </a:r>
-            <a:r>
-              <a:rPr lang="pl-PL" dirty="0">
-                <a:hlinkClick r:id="rId4"/>
-              </a:rPr>
-              <a:t>://docs.python.org/3/reference</a:t>
-            </a:r>
-            <a:r>
-              <a:rPr lang="pl-PL" dirty="0" smtClean="0">
-                <a:hlinkClick r:id="rId4"/>
-              </a:rPr>
-              <a:t>/</a:t>
-            </a:r>
-            <a:endParaRPr lang="pl-PL" dirty="0" smtClean="0"/>
-          </a:p>
-          <a:p>
-            <a:pPr>
-              <a:buFont typeface="Wingdings" panose="05000000000000000000" pitchFamily="2" charset="2"/>
-              <a:buChar char="v"/>
-            </a:pPr>
-            <a:r>
-              <a:rPr lang="pl-PL" dirty="0"/>
-              <a:t> </a:t>
-            </a:r>
-            <a:r>
-              <a:rPr lang="pl-PL" dirty="0">
-                <a:hlinkClick r:id="rId5"/>
-              </a:rPr>
-              <a:t>https://machinelearningknowledge.ai</a:t>
-            </a:r>
-            <a:r>
-              <a:rPr lang="pl-PL" dirty="0" smtClean="0">
-                <a:hlinkClick r:id="rId5"/>
-              </a:rPr>
-              <a:t>/</a:t>
-            </a:r>
-            <a:endParaRPr lang="pl-PL" dirty="0" smtClean="0"/>
-          </a:p>
-          <a:p>
-            <a:pPr>
-              <a:buFont typeface="Wingdings" panose="05000000000000000000" pitchFamily="2" charset="2"/>
-              <a:buChar char="v"/>
-            </a:pPr>
-            <a:r>
-              <a:rPr lang="pl-PL" dirty="0"/>
-              <a:t> </a:t>
-            </a:r>
-            <a:r>
-              <a:rPr lang="pl-PL" dirty="0">
-                <a:hlinkClick r:id="rId6"/>
-              </a:rPr>
-              <a:t>https://towardsdatascience.com</a:t>
-            </a:r>
-            <a:r>
-              <a:rPr lang="pl-PL" dirty="0" smtClean="0">
-                <a:hlinkClick r:id="rId6"/>
-              </a:rPr>
-              <a:t>/</a:t>
-            </a:r>
-            <a:endParaRPr lang="pl-PL" dirty="0" smtClean="0"/>
-          </a:p>
-          <a:p>
-            <a:pPr>
-              <a:buFont typeface="Wingdings" panose="05000000000000000000" pitchFamily="2" charset="2"/>
-              <a:buChar char="v"/>
-            </a:pPr>
-            <a:r>
-              <a:rPr lang="pl-PL" dirty="0"/>
-              <a:t> </a:t>
-            </a:r>
-            <a:r>
-              <a:rPr lang="pl-PL" dirty="0">
-                <a:hlinkClick r:id="rId7"/>
-              </a:rPr>
-              <a:t>https://</a:t>
-            </a:r>
-            <a:r>
-              <a:rPr lang="pl-PL" dirty="0" smtClean="0">
-                <a:hlinkClick r:id="rId7"/>
-              </a:rPr>
-              <a:t>anhreynolds.com/blogs/cnn.html</a:t>
-            </a:r>
-            <a:r>
-              <a:rPr lang="pl-PL" dirty="0" smtClean="0"/>
-              <a:t> </a:t>
-            </a:r>
-          </a:p>
-          <a:p>
-            <a:pPr>
-              <a:buFont typeface="Wingdings" panose="05000000000000000000" pitchFamily="2" charset="2"/>
-              <a:buChar char="v"/>
-            </a:pPr>
-            <a:r>
-              <a:rPr lang="pl-PL" dirty="0" smtClean="0"/>
-              <a:t> </a:t>
-            </a:r>
-            <a:r>
-              <a:rPr lang="pl-PL" dirty="0" smtClean="0">
-                <a:hlinkClick r:id="rId8"/>
-              </a:rPr>
-              <a:t>https</a:t>
-            </a:r>
-            <a:r>
-              <a:rPr lang="pl-PL" dirty="0">
-                <a:hlinkClick r:id="rId8"/>
-              </a:rPr>
-              <a:t>://iq.opengenus.org/purpose-of-different-layers-in-ml</a:t>
-            </a:r>
-            <a:r>
-              <a:rPr lang="pl-PL" dirty="0" smtClean="0">
-                <a:hlinkClick r:id="rId8"/>
-              </a:rPr>
-              <a:t>/</a:t>
-            </a:r>
-            <a:r>
-              <a:rPr lang="pl-PL" dirty="0" smtClean="0"/>
-              <a:t> </a:t>
-            </a:r>
-            <a:endParaRPr lang="pl-PL" dirty="0" smtClean="0"/>
-          </a:p>
-          <a:p>
-            <a:pPr>
-              <a:buFont typeface="Wingdings" panose="05000000000000000000" pitchFamily="2" charset="2"/>
-              <a:buChar char="v"/>
-            </a:pPr>
-            <a:endParaRPr lang="pl-PL" dirty="0"/>
-          </a:p>
-        </p:txBody>
-      </p:sp>
-    </p:spTree>
-    <p:extLst>
-      <p:ext uri="{BB962C8B-B14F-4D97-AF65-F5344CB8AC3E}">
-        <p14:creationId xmlns:p14="http://schemas.microsoft.com/office/powerpoint/2010/main" val="3310370172"/>
-      </p:ext>
-    </p:extLst>
-  </p:cSld>
-  <p:clrMapOvr>
-    <a:masterClrMapping/>
-  </p:clrMapOvr>
 </p:sld>
 </file>
 
